--- a/fuentes/contenidos/grado10/guion01/CN_10_01_CO.pptx
+++ b/fuentes/contenidos/grado10/guion01/CN_10_01_CO.pptx
@@ -467,7 +467,7 @@
           <a:p>
             <a:fld id="{5001C876-01F7-4317-94B9-1AE222133113}" type="datetimeFigureOut">
               <a:rPr lang="es-ES" smtClean="0"/>
-              <a:t>02/05/2016</a:t>
+              <a:t>09/05/2016</a:t>
             </a:fld>
             <a:endParaRPr lang="es-ES"/>
           </a:p>
@@ -1079,7 +1079,27 @@
             <a:pPr algn="ctr"/>
             <a:r>
               <a:rPr lang="es-CO" dirty="0"/>
-              <a:t>El mundo de la Física y la Química</a:t>
+              <a:t>El mundo de </a:t>
+            </a:r>
+            <a:r>
+              <a:rPr lang="es-CO"/>
+              <a:t>la </a:t>
+            </a:r>
+            <a:r>
+              <a:rPr lang="es-CO" smtClean="0"/>
+              <a:t>física </a:t>
+            </a:r>
+            <a:r>
+              <a:rPr lang="es-CO" dirty="0"/>
+              <a:t>y </a:t>
+            </a:r>
+            <a:r>
+              <a:rPr lang="es-CO"/>
+              <a:t>la </a:t>
+            </a:r>
+            <a:r>
+              <a:rPr lang="es-CO" smtClean="0"/>
+              <a:t>química</a:t>
             </a:r>
             <a:endParaRPr lang="es-ES" sz="1600" dirty="0"/>
           </a:p>
@@ -1325,11 +1345,6 @@
               </a:rPr>
               <a:t>composición.</a:t>
             </a:r>
-            <a:endParaRPr lang="es-ES_tradnl" sz="1000" dirty="0" smtClean="0">
-              <a:solidFill>
-                <a:schemeClr val="bg1"/>
-              </a:solidFill>
-            </a:endParaRPr>
           </a:p>
           <a:p>
             <a:pPr marL="171450" indent="-171450">
@@ -1342,21 +1357,8 @@
                   <a:schemeClr val="bg1"/>
                 </a:solidFill>
               </a:rPr>
-              <a:t>o</a:t>
-            </a:r>
-            <a:r>
-              <a:rPr lang="es-ES_tradnl" sz="1000" dirty="0" smtClean="0">
-                <a:solidFill>
-                  <a:schemeClr val="bg1"/>
-                </a:solidFill>
-              </a:rPr>
-              <a:t>rganización.</a:t>
-            </a:r>
-            <a:endParaRPr lang="es-ES_tradnl" sz="1000" dirty="0" smtClean="0">
-              <a:solidFill>
-                <a:schemeClr val="bg1"/>
-              </a:solidFill>
-            </a:endParaRPr>
+              <a:t>organización.</a:t>
+            </a:r>
           </a:p>
           <a:p>
             <a:pPr marL="171450" indent="-171450">
@@ -1369,21 +1371,8 @@
                   <a:schemeClr val="bg1"/>
                 </a:solidFill>
               </a:rPr>
-              <a:t>t</a:t>
-            </a:r>
-            <a:r>
-              <a:rPr lang="es-ES_tradnl" sz="1000" dirty="0" smtClean="0">
-                <a:solidFill>
-                  <a:schemeClr val="bg1"/>
-                </a:solidFill>
-              </a:rPr>
-              <a:t>ransformaciones.</a:t>
-            </a:r>
-            <a:endParaRPr lang="es-ES_tradnl" sz="1000" dirty="0" smtClean="0">
-              <a:solidFill>
-                <a:schemeClr val="bg1"/>
-              </a:solidFill>
-            </a:endParaRPr>
+              <a:t>transformaciones.</a:t>
+            </a:r>
           </a:p>
           <a:p>
             <a:pPr marL="171450" indent="-171450">
@@ -1396,21 +1385,8 @@
                   <a:schemeClr val="bg1"/>
                 </a:solidFill>
               </a:rPr>
-              <a:t>p</a:t>
-            </a:r>
-            <a:r>
-              <a:rPr lang="es-ES_tradnl" sz="1000" dirty="0" smtClean="0">
-                <a:solidFill>
-                  <a:schemeClr val="bg1"/>
-                </a:solidFill>
-              </a:rPr>
-              <a:t>ropiedades.</a:t>
-            </a:r>
-            <a:endParaRPr lang="es-ES_tradnl" sz="1000" dirty="0" smtClean="0">
-              <a:solidFill>
-                <a:schemeClr val="bg1"/>
-              </a:solidFill>
-            </a:endParaRPr>
+              <a:t>propiedades.</a:t>
+            </a:r>
           </a:p>
           <a:p>
             <a:pPr marL="171450" indent="-171450">
@@ -1431,15 +1407,7 @@
                   <a:schemeClr val="bg1"/>
                 </a:solidFill>
               </a:rPr>
-              <a:t>lasificación </a:t>
-            </a:r>
-            <a:r>
-              <a:rPr lang="es-ES_tradnl" sz="1000" dirty="0" smtClean="0">
-                <a:solidFill>
-                  <a:schemeClr val="bg1"/>
-                </a:solidFill>
-              </a:rPr>
-              <a:t>sistemática de la materia y sus relaciones con la energía</a:t>
+              <a:t>lasificación sistemática de la materia y sus relaciones con la energía</a:t>
             </a:r>
           </a:p>
         </p:txBody>
@@ -1504,11 +1472,6 @@
               </a:rPr>
               <a:t>empíricas o experimentales</a:t>
             </a:r>
-            <a:endParaRPr lang="es-ES_tradnl" sz="1000" dirty="0">
-              <a:solidFill>
-                <a:schemeClr val="bg1"/>
-              </a:solidFill>
-            </a:endParaRPr>
           </a:p>
         </p:txBody>
       </p:sp>
@@ -1573,15 +1536,7 @@
             <a:pPr algn="ctr"/>
             <a:r>
               <a:rPr lang="es-ES_tradnl" sz="900" dirty="0" smtClean="0"/>
-              <a:t>se </a:t>
-            </a:r>
-            <a:r>
-              <a:rPr lang="es-ES_tradnl" sz="900" dirty="0" smtClean="0"/>
-              <a:t>caracteriza </a:t>
-            </a:r>
-            <a:r>
-              <a:rPr lang="es-ES_tradnl" sz="900" dirty="0" smtClean="0"/>
-              <a:t>por ser</a:t>
+              <a:t>se caracteriza por ser</a:t>
             </a:r>
             <a:endParaRPr lang="es-ES" sz="900" dirty="0"/>
           </a:p>
@@ -1647,11 +1602,6 @@
               </a:rPr>
               <a:t>formales</a:t>
             </a:r>
-            <a:endParaRPr lang="es-ES_tradnl" sz="1000" dirty="0">
-              <a:solidFill>
-                <a:schemeClr val="bg1"/>
-              </a:solidFill>
-            </a:endParaRPr>
           </a:p>
         </p:txBody>
       </p:sp>
@@ -1921,7 +1871,6 @@
               <a:rPr lang="es-ES" sz="900" dirty="0"/>
               <a:t>abstractos</a:t>
             </a:r>
-            <a:endParaRPr lang="es-ES" sz="900" dirty="0"/>
           </a:p>
         </p:txBody>
       </p:sp>
@@ -2235,15 +2184,7 @@
                   <a:schemeClr val="bg1"/>
                 </a:solidFill>
               </a:rPr>
-              <a:t>conjunto </a:t>
-            </a:r>
-            <a:r>
-              <a:rPr lang="es-ES" sz="1000" dirty="0" smtClean="0">
-                <a:solidFill>
-                  <a:schemeClr val="bg1"/>
-                </a:solidFill>
-              </a:rPr>
-              <a:t>de conocimientos objetivos verificables y ordenados</a:t>
+              <a:t>conjunto de conocimientos objetivos verificables y ordenados</a:t>
             </a:r>
             <a:endParaRPr lang="es-ES" sz="1000" dirty="0">
               <a:solidFill>
@@ -2402,11 +2343,7 @@
             </a:r>
             <a:r>
               <a:rPr lang="es-ES_tradnl" sz="900" dirty="0" smtClean="0"/>
-              <a:t>étodo </a:t>
-            </a:r>
-            <a:r>
-              <a:rPr lang="es-ES_tradnl" sz="900" dirty="0" smtClean="0"/>
-              <a:t>científico</a:t>
+              <a:t>étodo científico</a:t>
             </a:r>
             <a:endParaRPr lang="es-ES" sz="900" dirty="0">
               <a:solidFill>
@@ -2475,11 +2412,7 @@
             <a:pPr algn="ctr"/>
             <a:r>
               <a:rPr lang="es-ES_tradnl" sz="900" dirty="0" smtClean="0"/>
-              <a:t>consiste </a:t>
-            </a:r>
-            <a:r>
-              <a:rPr lang="es-ES_tradnl" sz="900" dirty="0" smtClean="0"/>
-              <a:t>en</a:t>
+              <a:t>consiste en</a:t>
             </a:r>
             <a:endParaRPr lang="es-ES" sz="900" dirty="0"/>
           </a:p>
@@ -2536,37 +2469,8 @@
                   <a:schemeClr val="tx1"/>
                 </a:solidFill>
               </a:rPr>
-              <a:t>o</a:t>
-            </a:r>
-            <a:r>
-              <a:rPr lang="es-ES" sz="900" dirty="0" smtClean="0">
-                <a:solidFill>
-                  <a:schemeClr val="tx1"/>
-                </a:solidFill>
-              </a:rPr>
-              <a:t>bservación </a:t>
-            </a:r>
-            <a:r>
-              <a:rPr lang="es-ES" sz="900" dirty="0" smtClean="0">
-                <a:solidFill>
-                  <a:schemeClr val="tx1"/>
-                </a:solidFill>
-              </a:rPr>
-              <a:t>y planteamiento del </a:t>
-            </a:r>
-            <a:r>
-              <a:rPr lang="es-ES" sz="900" dirty="0" smtClean="0">
-                <a:solidFill>
-                  <a:schemeClr val="tx1"/>
-                </a:solidFill>
-              </a:rPr>
-              <a:t>problema.</a:t>
-            </a:r>
-            <a:endParaRPr lang="es-ES" sz="900" dirty="0" smtClean="0">
-              <a:solidFill>
-                <a:schemeClr val="tx1"/>
-              </a:solidFill>
-            </a:endParaRPr>
+              <a:t>observación y planteamiento del problema.</a:t>
+            </a:r>
           </a:p>
           <a:p>
             <a:pPr marL="171450" indent="-171450">
@@ -2587,29 +2491,8 @@
                   <a:schemeClr val="tx1"/>
                 </a:solidFill>
               </a:rPr>
-              <a:t>ormulación </a:t>
-            </a:r>
-            <a:r>
-              <a:rPr lang="es-ES" sz="900" dirty="0" smtClean="0">
-                <a:solidFill>
-                  <a:schemeClr val="tx1"/>
-                </a:solidFill>
-              </a:rPr>
-              <a:t>de la </a:t>
-            </a:r>
-            <a:r>
-              <a:rPr lang="es-ES" sz="900" dirty="0" smtClean="0">
-                <a:solidFill>
-                  <a:schemeClr val="tx1"/>
-                </a:solidFill>
-              </a:rPr>
-              <a:t>hipótesis.</a:t>
-            </a:r>
-            <a:endParaRPr lang="es-ES" sz="900" dirty="0" smtClean="0">
-              <a:solidFill>
-                <a:schemeClr val="tx1"/>
-              </a:solidFill>
-            </a:endParaRPr>
+              <a:t>ormulación de la hipótesis.</a:t>
+            </a:r>
           </a:p>
           <a:p>
             <a:pPr marL="171450" indent="-171450">
@@ -2630,29 +2513,8 @@
                   <a:schemeClr val="tx1"/>
                 </a:solidFill>
               </a:rPr>
-              <a:t>erificación </a:t>
-            </a:r>
-            <a:r>
-              <a:rPr lang="es-ES" sz="900" dirty="0" smtClean="0">
-                <a:solidFill>
-                  <a:schemeClr val="tx1"/>
-                </a:solidFill>
-              </a:rPr>
-              <a:t>de la </a:t>
-            </a:r>
-            <a:r>
-              <a:rPr lang="es-ES" sz="900" dirty="0" smtClean="0">
-                <a:solidFill>
-                  <a:schemeClr val="tx1"/>
-                </a:solidFill>
-              </a:rPr>
-              <a:t>hipótesis.</a:t>
-            </a:r>
-            <a:endParaRPr lang="es-ES" sz="900" dirty="0" smtClean="0">
-              <a:solidFill>
-                <a:schemeClr val="tx1"/>
-              </a:solidFill>
-            </a:endParaRPr>
+              <a:t>erificación de la hipótesis.</a:t>
+            </a:r>
           </a:p>
           <a:p>
             <a:pPr marL="171450" indent="-171450">
@@ -2673,23 +2535,7 @@
                   <a:schemeClr val="tx1"/>
                 </a:solidFill>
               </a:rPr>
-              <a:t>stablecimiento </a:t>
-            </a:r>
-            <a:r>
-              <a:rPr lang="es-ES" sz="900" dirty="0" smtClean="0">
-                <a:solidFill>
-                  <a:schemeClr val="tx1"/>
-                </a:solidFill>
-              </a:rPr>
-              <a:t>de </a:t>
-            </a:r>
-            <a:r>
-              <a:rPr lang="es-ES" sz="900" dirty="0" smtClean="0">
-                <a:solidFill>
-                  <a:schemeClr val="tx1"/>
-                </a:solidFill>
-              </a:rPr>
-              <a:t>teorías.</a:t>
+              <a:t>stablecimiento de teorías.</a:t>
             </a:r>
             <a:endParaRPr lang="es-ES" sz="900" dirty="0">
               <a:solidFill>
@@ -2987,7 +2833,6 @@
               <a:rPr lang="es-ES" sz="900" dirty="0"/>
               <a:t>abstractos</a:t>
             </a:r>
-            <a:endParaRPr lang="es-ES" sz="900" dirty="0"/>
           </a:p>
         </p:txBody>
       </p:sp>
@@ -3177,11 +3022,7 @@
           <a:p>
             <a:r>
               <a:rPr lang="en-US" dirty="0" err="1"/>
-              <a:t>c</a:t>
-            </a:r>
-            <a:r>
-              <a:rPr lang="en-US" dirty="0" err="1"/>
-              <a:t>omo</a:t>
+              <a:t>como</a:t>
             </a:r>
             <a:r>
               <a:rPr lang="en-US" dirty="0"/>
@@ -3746,15 +3587,7 @@
                   <a:schemeClr val="bg1"/>
                 </a:solidFill>
               </a:rPr>
-              <a:t>ropiedades </a:t>
-            </a:r>
-            <a:r>
-              <a:rPr lang="es-ES_tradnl" sz="1000" dirty="0" smtClean="0">
-                <a:solidFill>
-                  <a:schemeClr val="bg1"/>
-                </a:solidFill>
-              </a:rPr>
-              <a:t>y leyes que rigen el comportamiento de la materia y la energía.</a:t>
+              <a:t>ropiedades y leyes que rigen el comportamiento de la materia y la energía.</a:t>
             </a:r>
           </a:p>
           <a:p>
@@ -3770,11 +3603,6 @@
               </a:rPr>
               <a:t>tiempo.</a:t>
             </a:r>
-            <a:endParaRPr lang="es-ES_tradnl" sz="1000" dirty="0" smtClean="0">
-              <a:solidFill>
-                <a:schemeClr val="bg1"/>
-              </a:solidFill>
-            </a:endParaRPr>
           </a:p>
           <a:p>
             <a:pPr marL="171450" indent="-171450">
@@ -4000,11 +3828,7 @@
             <a:pPr algn="ctr"/>
             <a:r>
               <a:rPr lang="en-US" sz="900" dirty="0" err="1"/>
-              <a:t>e</a:t>
-            </a:r>
-            <a:r>
-              <a:rPr lang="en-US" sz="900" dirty="0" err="1"/>
-              <a:t>xpresadas</a:t>
+              <a:t>expresadas</a:t>
             </a:r>
             <a:r>
               <a:rPr lang="en-US" sz="900" dirty="0"/>
@@ -4212,17 +4036,8 @@
             </a:r>
             <a:r>
               <a:rPr lang="es-ES_tradnl" sz="900" dirty="0" smtClean="0"/>
-              <a:t>ongitud </a:t>
-            </a:r>
-            <a:r>
-              <a:rPr lang="es-ES_tradnl" sz="900" dirty="0" smtClean="0"/>
-              <a:t>(m</a:t>
-            </a:r>
-            <a:r>
-              <a:rPr lang="es-ES_tradnl" sz="900" dirty="0" smtClean="0"/>
-              <a:t>).</a:t>
-            </a:r>
-            <a:endParaRPr lang="es-ES_tradnl" sz="900" dirty="0" smtClean="0"/>
+              <a:t>ongitud (m).</a:t>
+            </a:r>
           </a:p>
           <a:p>
             <a:pPr marL="171450" indent="-171450">
@@ -4235,29 +4050,8 @@
                   <a:schemeClr val="tx1"/>
                 </a:solidFill>
               </a:rPr>
-              <a:t>masa </a:t>
-            </a:r>
-            <a:r>
-              <a:rPr lang="es-ES_tradnl" sz="900" dirty="0" smtClean="0">
-                <a:solidFill>
-                  <a:schemeClr val="tx1"/>
-                </a:solidFill>
-              </a:rPr>
-              <a:t>(Kg</a:t>
-            </a:r>
-            <a:r>
-              <a:rPr lang="es-ES_tradnl" sz="900" dirty="0" smtClean="0">
-                <a:solidFill>
-                  <a:schemeClr val="tx1"/>
-                </a:solidFill>
-              </a:rPr>
-              <a:t>).</a:t>
-            </a:r>
-            <a:endParaRPr lang="es-ES_tradnl" sz="900" dirty="0" smtClean="0">
-              <a:solidFill>
-                <a:schemeClr val="tx1"/>
-              </a:solidFill>
-            </a:endParaRPr>
+              <a:t>masa (Kg).</a:t>
+            </a:r>
           </a:p>
           <a:p>
             <a:pPr marL="171450" indent="-171450">
@@ -4278,29 +4072,8 @@
                   <a:schemeClr val="tx1"/>
                 </a:solidFill>
               </a:rPr>
-              <a:t>iempo </a:t>
-            </a:r>
-            <a:r>
-              <a:rPr lang="es-ES_tradnl" sz="900" dirty="0" smtClean="0">
-                <a:solidFill>
-                  <a:schemeClr val="tx1"/>
-                </a:solidFill>
-              </a:rPr>
-              <a:t>(s</a:t>
-            </a:r>
-            <a:r>
-              <a:rPr lang="es-ES_tradnl" sz="900" dirty="0" smtClean="0">
-                <a:solidFill>
-                  <a:schemeClr val="tx1"/>
-                </a:solidFill>
-              </a:rPr>
-              <a:t>).</a:t>
-            </a:r>
-            <a:endParaRPr lang="es-ES_tradnl" sz="900" dirty="0" smtClean="0">
-              <a:solidFill>
-                <a:schemeClr val="tx1"/>
-              </a:solidFill>
-            </a:endParaRPr>
+              <a:t>iempo (s).</a:t>
+            </a:r>
           </a:p>
           <a:p>
             <a:pPr marL="171450" indent="-171450">
@@ -4313,29 +4086,8 @@
                   <a:schemeClr val="tx1"/>
                 </a:solidFill>
               </a:rPr>
-              <a:t>temperatura </a:t>
-            </a:r>
-            <a:r>
-              <a:rPr lang="es-ES_tradnl" sz="900" dirty="0" smtClean="0">
-                <a:solidFill>
-                  <a:schemeClr val="tx1"/>
-                </a:solidFill>
-              </a:rPr>
-              <a:t>(k</a:t>
-            </a:r>
-            <a:r>
-              <a:rPr lang="es-ES_tradnl" sz="900" dirty="0" smtClean="0">
-                <a:solidFill>
-                  <a:schemeClr val="tx1"/>
-                </a:solidFill>
-              </a:rPr>
-              <a:t>).</a:t>
-            </a:r>
-            <a:endParaRPr lang="es-ES_tradnl" sz="900" dirty="0" smtClean="0">
-              <a:solidFill>
-                <a:schemeClr val="tx1"/>
-              </a:solidFill>
-            </a:endParaRPr>
+              <a:t>temperatura (k).</a:t>
+            </a:r>
           </a:p>
           <a:p>
             <a:pPr marL="171450" indent="-171450">
@@ -4348,29 +4100,8 @@
                   <a:schemeClr val="tx1"/>
                 </a:solidFill>
               </a:rPr>
-              <a:t>intensidad </a:t>
-            </a:r>
-            <a:r>
-              <a:rPr lang="es-ES_tradnl" sz="900" dirty="0" smtClean="0">
-                <a:solidFill>
-                  <a:schemeClr val="tx1"/>
-                </a:solidFill>
-              </a:rPr>
-              <a:t>corriente (A</a:t>
-            </a:r>
-            <a:r>
-              <a:rPr lang="es-ES_tradnl" sz="900" dirty="0" smtClean="0">
-                <a:solidFill>
-                  <a:schemeClr val="tx1"/>
-                </a:solidFill>
-              </a:rPr>
-              <a:t>).</a:t>
-            </a:r>
-            <a:endParaRPr lang="es-ES_tradnl" sz="900" dirty="0" smtClean="0">
-              <a:solidFill>
-                <a:schemeClr val="tx1"/>
-              </a:solidFill>
-            </a:endParaRPr>
+              <a:t>intensidad corriente (A).</a:t>
+            </a:r>
           </a:p>
           <a:p>
             <a:pPr marL="171450" indent="-171450">
@@ -4391,29 +4122,8 @@
                   <a:schemeClr val="tx1"/>
                 </a:solidFill>
               </a:rPr>
-              <a:t>antidad </a:t>
-            </a:r>
-            <a:r>
-              <a:rPr lang="es-ES_tradnl" sz="900" dirty="0" smtClean="0">
-                <a:solidFill>
-                  <a:schemeClr val="tx1"/>
-                </a:solidFill>
-              </a:rPr>
-              <a:t>de sustancia (mol</a:t>
-            </a:r>
-            <a:r>
-              <a:rPr lang="es-ES_tradnl" sz="900" dirty="0" smtClean="0">
-                <a:solidFill>
-                  <a:schemeClr val="tx1"/>
-                </a:solidFill>
-              </a:rPr>
-              <a:t>).</a:t>
-            </a:r>
-            <a:endParaRPr lang="es-ES_tradnl" sz="900" dirty="0" smtClean="0">
-              <a:solidFill>
-                <a:schemeClr val="tx1"/>
-              </a:solidFill>
-            </a:endParaRPr>
+              <a:t>antidad de sustancia (mol).</a:t>
+            </a:r>
           </a:p>
           <a:p>
             <a:pPr marL="171450" indent="-171450">
@@ -4426,23 +4136,7 @@
                   <a:schemeClr val="tx1"/>
                 </a:solidFill>
               </a:rPr>
-              <a:t>intensidad </a:t>
-            </a:r>
-            <a:r>
-              <a:rPr lang="es-ES_tradnl" sz="900" dirty="0" smtClean="0">
-                <a:solidFill>
-                  <a:schemeClr val="tx1"/>
-                </a:solidFill>
-              </a:rPr>
-              <a:t>luminosa (candela</a:t>
-            </a:r>
-            <a:r>
-              <a:rPr lang="es-ES_tradnl" sz="900" dirty="0" smtClean="0">
-                <a:solidFill>
-                  <a:schemeClr val="tx1"/>
-                </a:solidFill>
-              </a:rPr>
-              <a:t>).</a:t>
+              <a:t>intensidad luminosa (candela).</a:t>
             </a:r>
             <a:endParaRPr lang="es-ES" sz="900" dirty="0">
               <a:solidFill>
@@ -4573,15 +4267,7 @@
                   <a:schemeClr val="tx1"/>
                 </a:solidFill>
               </a:rPr>
-              <a:t>actores </a:t>
-            </a:r>
-            <a:r>
-              <a:rPr lang="es-ES" sz="900" dirty="0" smtClean="0">
-                <a:solidFill>
-                  <a:schemeClr val="tx1"/>
-                </a:solidFill>
-              </a:rPr>
-              <a:t>de conversión</a:t>
+              <a:t>actores de conversión</a:t>
             </a:r>
             <a:endParaRPr lang="es-ES" sz="900" dirty="0">
               <a:solidFill>
@@ -4790,11 +4476,7 @@
             </a:r>
             <a:r>
               <a:rPr lang="es-ES_tradnl" sz="900" dirty="0" smtClean="0"/>
-              <a:t> </a:t>
-            </a:r>
-            <a:r>
-              <a:rPr lang="es-ES_tradnl" sz="900" dirty="0" smtClean="0"/>
-              <a:t>o aleatorios</a:t>
+              <a:t> o aleatorios</a:t>
             </a:r>
             <a:endParaRPr lang="es-ES" sz="900" dirty="0">
               <a:solidFill>
@@ -4925,15 +4607,7 @@
                   <a:schemeClr val="tx1"/>
                 </a:solidFill>
               </a:rPr>
-              <a:t>a </a:t>
-            </a:r>
-            <a:r>
-              <a:rPr lang="es-ES" sz="900" dirty="0" smtClean="0">
-                <a:solidFill>
-                  <a:schemeClr val="tx1"/>
-                </a:solidFill>
-              </a:rPr>
-              <a:t>exactitud y la precisión de las medidas</a:t>
+              <a:t>a exactitud y la precisión de las medidas</a:t>
             </a:r>
             <a:endParaRPr lang="es-ES" sz="900" dirty="0">
               <a:solidFill>
@@ -5048,13 +4722,8 @@
           <a:p>
             <a:r>
               <a:rPr lang="es-ES" dirty="0"/>
-              <a:t>e</a:t>
-            </a:r>
-            <a:r>
-              <a:rPr lang="es-ES" dirty="0"/>
-              <a:t>s el</a:t>
-            </a:r>
-            <a:endParaRPr lang="es-ES" dirty="0"/>
+              <a:t>es el</a:t>
+            </a:r>
           </a:p>
         </p:txBody>
       </p:sp>

--- a/fuentes/contenidos/grado10/guion01/CN_10_01_CO.pptx
+++ b/fuentes/contenidos/grado10/guion01/CN_10_01_CO.pptx
@@ -467,7 +467,7 @@
           <a:p>
             <a:fld id="{5001C876-01F7-4317-94B9-1AE222133113}" type="datetimeFigureOut">
               <a:rPr lang="es-ES" smtClean="0"/>
-              <a:t>09/05/2016</a:t>
+              <a:t>20/05/2016</a:t>
             </a:fld>
             <a:endParaRPr lang="es-ES"/>
           </a:p>
@@ -1815,78 +1815,19 @@
           </a:fontRef>
         </p:style>
       </p:cxnSp>
-      <p:sp>
-        <p:nvSpPr>
-          <p:cNvPr id="21" name="Rectángulo 43"/>
-          <p:cNvSpPr/>
-          <p:nvPr/>
-        </p:nvSpPr>
-        <p:spPr>
-          <a:xfrm>
-            <a:off x="1967168" y="3673289"/>
-            <a:ext cx="1004785" cy="363983"/>
-          </a:xfrm>
-          <a:prstGeom prst="rect">
-            <a:avLst/>
-          </a:prstGeom>
-          <a:solidFill>
-            <a:schemeClr val="bg2">
-              <a:lumMod val="90000"/>
-            </a:schemeClr>
-          </a:solidFill>
-          <a:ln>
-            <a:solidFill>
-              <a:schemeClr val="tx1"/>
-            </a:solidFill>
-          </a:ln>
-        </p:spPr>
-        <p:style>
-          <a:lnRef idx="2">
-            <a:schemeClr val="accent6"/>
-          </a:lnRef>
-          <a:fillRef idx="1">
-            <a:schemeClr val="lt1"/>
-          </a:fillRef>
-          <a:effectRef idx="0">
-            <a:schemeClr val="accent6"/>
-          </a:effectRef>
-          <a:fontRef idx="minor">
-            <a:schemeClr val="dk1"/>
-          </a:fontRef>
-        </p:style>
-        <p:txBody>
-          <a:bodyPr rtlCol="0" anchor="ctr"/>
-          <a:lstStyle/>
-          <a:p>
-            <a:pPr algn="ctr"/>
-            <a:r>
-              <a:rPr lang="en-US" sz="900" dirty="0" smtClean="0"/>
-              <a:t>entes</a:t>
-            </a:r>
-            <a:r>
-              <a:rPr lang="es-ES" sz="900" dirty="0" smtClean="0"/>
-              <a:t> </a:t>
-            </a:r>
-            <a:r>
-              <a:rPr lang="es-ES" sz="900" dirty="0"/>
-              <a:t>abstractos</a:t>
-            </a:r>
-          </a:p>
-        </p:txBody>
-      </p:sp>
       <p:cxnSp>
         <p:nvCxnSpPr>
           <p:cNvPr id="22" name="Conector angular 44"/>
           <p:cNvCxnSpPr>
             <a:stCxn id="14" idx="2"/>
-            <a:endCxn id="41" idx="0"/>
+            <a:endCxn id="43" idx="0"/>
           </p:cNvCxnSpPr>
           <p:nvPr/>
         </p:nvCxnSpPr>
         <p:spPr>
-          <a:xfrm flipH="1">
-            <a:off x="2485581" y="2650193"/>
-            <a:ext cx="6375" cy="470583"/>
+          <a:xfrm>
+            <a:off x="2491956" y="2650193"/>
+            <a:ext cx="13797" cy="420140"/>
           </a:xfrm>
           <a:prstGeom prst="straightConnector1">
             <a:avLst/>
@@ -2579,125 +2520,6 @@
           </a:fontRef>
         </p:style>
       </p:cxnSp>
-      <p:cxnSp>
-        <p:nvCxnSpPr>
-          <p:cNvPr id="40" name="Conector angular 44"/>
-          <p:cNvCxnSpPr>
-            <a:stCxn id="41" idx="2"/>
-            <a:endCxn id="21" idx="0"/>
-          </p:cNvCxnSpPr>
-          <p:nvPr/>
-        </p:nvCxnSpPr>
-        <p:spPr>
-          <a:xfrm flipH="1">
-            <a:off x="2469561" y="3490108"/>
-            <a:ext cx="16020" cy="183181"/>
-          </a:xfrm>
-          <a:prstGeom prst="straightConnector1">
-            <a:avLst/>
-          </a:prstGeom>
-          <a:ln/>
-        </p:spPr>
-        <p:style>
-          <a:lnRef idx="2">
-            <a:schemeClr val="dk1"/>
-          </a:lnRef>
-          <a:fillRef idx="0">
-            <a:schemeClr val="dk1"/>
-          </a:fillRef>
-          <a:effectRef idx="1">
-            <a:schemeClr val="dk1"/>
-          </a:effectRef>
-          <a:fontRef idx="minor">
-            <a:schemeClr val="tx1"/>
-          </a:fontRef>
-        </p:style>
-      </p:cxnSp>
-      <p:sp>
-        <p:nvSpPr>
-          <p:cNvPr id="41" name="CuadroTexto 18"/>
-          <p:cNvSpPr txBox="1"/>
-          <p:nvPr/>
-        </p:nvSpPr>
-        <p:spPr>
-          <a:xfrm>
-            <a:off x="1894411" y="3120776"/>
-            <a:ext cx="1182340" cy="369332"/>
-          </a:xfrm>
-          <a:prstGeom prst="rect">
-            <a:avLst/>
-          </a:prstGeom>
-          <a:noFill/>
-        </p:spPr>
-        <p:txBody>
-          <a:bodyPr wrap="square" rtlCol="0">
-            <a:spAutoFit/>
-          </a:bodyPr>
-          <a:lstStyle/>
-          <a:p>
-            <a:pPr algn="ctr"/>
-            <a:r>
-              <a:rPr lang="en-US" sz="900" dirty="0" err="1"/>
-              <a:t>su</a:t>
-            </a:r>
-            <a:r>
-              <a:rPr lang="en-US" sz="900" dirty="0"/>
-              <a:t> </a:t>
-            </a:r>
-            <a:r>
-              <a:rPr lang="en-US" sz="900" dirty="0" err="1"/>
-              <a:t>objeto</a:t>
-            </a:r>
-            <a:r>
-              <a:rPr lang="en-US" sz="900" dirty="0"/>
-              <a:t> de </a:t>
-            </a:r>
-            <a:r>
-              <a:rPr lang="en-US" sz="900" dirty="0" err="1"/>
-              <a:t>estudio</a:t>
-            </a:r>
-            <a:r>
-              <a:rPr lang="en-US" sz="900" dirty="0"/>
-              <a:t> son los</a:t>
-            </a:r>
-            <a:endParaRPr lang="es-ES" sz="900" dirty="0"/>
-          </a:p>
-        </p:txBody>
-      </p:sp>
-      <p:cxnSp>
-        <p:nvCxnSpPr>
-          <p:cNvPr id="42" name="Conector angular 44"/>
-          <p:cNvCxnSpPr>
-            <a:stCxn id="21" idx="2"/>
-            <a:endCxn id="43" idx="0"/>
-          </p:cNvCxnSpPr>
-          <p:nvPr/>
-        </p:nvCxnSpPr>
-        <p:spPr>
-          <a:xfrm>
-            <a:off x="2469561" y="4037272"/>
-            <a:ext cx="7701" cy="252082"/>
-          </a:xfrm>
-          <a:prstGeom prst="straightConnector1">
-            <a:avLst/>
-          </a:prstGeom>
-          <a:ln/>
-        </p:spPr>
-        <p:style>
-          <a:lnRef idx="2">
-            <a:schemeClr val="dk1"/>
-          </a:lnRef>
-          <a:fillRef idx="0">
-            <a:schemeClr val="dk1"/>
-          </a:fillRef>
-          <a:effectRef idx="1">
-            <a:schemeClr val="dk1"/>
-          </a:effectRef>
-          <a:fontRef idx="minor">
-            <a:schemeClr val="tx1"/>
-          </a:fontRef>
-        </p:style>
-      </p:cxnSp>
       <p:sp>
         <p:nvSpPr>
           <p:cNvPr id="43" name="Rectángulo 142"/>
@@ -2706,7 +2528,7 @@
         </p:nvSpPr>
         <p:spPr>
           <a:xfrm>
-            <a:off x="1934273" y="4289354"/>
+            <a:off x="1962764" y="3070333"/>
             <a:ext cx="1085977" cy="363035"/>
           </a:xfrm>
           <a:prstGeom prst="rect">
@@ -2773,23 +2595,515 @@
           </a:p>
         </p:txBody>
       </p:sp>
+      <p:cxnSp>
+        <p:nvCxnSpPr>
+          <p:cNvPr id="48" name="Conector angular 44"/>
+          <p:cNvCxnSpPr>
+            <a:stCxn id="11" idx="2"/>
+            <a:endCxn id="51" idx="0"/>
+          </p:cNvCxnSpPr>
+          <p:nvPr/>
+        </p:nvCxnSpPr>
+        <p:spPr>
+          <a:xfrm rot="5400000">
+            <a:off x="2519349" y="2990702"/>
+            <a:ext cx="1569441" cy="942762"/>
+          </a:xfrm>
+          <a:prstGeom prst="bentConnector3">
+            <a:avLst>
+              <a:gd name="adj1" fmla="val 50000"/>
+            </a:avLst>
+          </a:prstGeom>
+          <a:ln/>
+        </p:spPr>
+        <p:style>
+          <a:lnRef idx="2">
+            <a:schemeClr val="dk1"/>
+          </a:lnRef>
+          <a:fillRef idx="0">
+            <a:schemeClr val="dk1"/>
+          </a:fillRef>
+          <a:effectRef idx="1">
+            <a:schemeClr val="dk1"/>
+          </a:effectRef>
+          <a:fontRef idx="minor">
+            <a:schemeClr val="tx1"/>
+          </a:fontRef>
+        </p:style>
+      </p:cxnSp>
       <p:sp>
         <p:nvSpPr>
-          <p:cNvPr id="44" name="Rectángulo 43"/>
+          <p:cNvPr id="51" name="Rectángulo 142"/>
           <p:cNvSpPr/>
           <p:nvPr/>
         </p:nvSpPr>
         <p:spPr>
           <a:xfrm>
-            <a:off x="3255910" y="3749242"/>
-            <a:ext cx="1004785" cy="363983"/>
+            <a:off x="2290547" y="4246804"/>
+            <a:ext cx="1084282" cy="363035"/>
+          </a:xfrm>
+          <a:prstGeom prst="rect">
+            <a:avLst/>
+          </a:prstGeom>
+          <a:solidFill>
+            <a:schemeClr val="bg1"/>
+          </a:solidFill>
+          <a:ln>
+            <a:solidFill>
+              <a:schemeClr val="tx1"/>
+            </a:solidFill>
+          </a:ln>
+        </p:spPr>
+        <p:style>
+          <a:lnRef idx="2">
+            <a:schemeClr val="accent6"/>
+          </a:lnRef>
+          <a:fillRef idx="1">
+            <a:schemeClr val="lt1"/>
+          </a:fillRef>
+          <a:effectRef idx="0">
+            <a:schemeClr val="accent6"/>
+          </a:effectRef>
+          <a:fontRef idx="minor">
+            <a:schemeClr val="dk1"/>
+          </a:fontRef>
+        </p:style>
+        <p:txBody>
+          <a:bodyPr rtlCol="0" anchor="ctr"/>
+          <a:lstStyle/>
+          <a:p>
+            <a:pPr algn="ctr"/>
+            <a:r>
+              <a:rPr lang="es-ES_tradnl" sz="900" dirty="0">
+                <a:solidFill>
+                  <a:schemeClr val="tx1"/>
+                </a:solidFill>
+              </a:rPr>
+              <a:t>ciencias naturales</a:t>
+            </a:r>
+            <a:endParaRPr lang="es-ES" sz="900" dirty="0">
+              <a:solidFill>
+                <a:schemeClr val="tx1"/>
+              </a:solidFill>
+            </a:endParaRPr>
+          </a:p>
+        </p:txBody>
+      </p:sp>
+      <p:sp>
+        <p:nvSpPr>
+          <p:cNvPr id="52" name="Rectángulo 142"/>
+          <p:cNvSpPr/>
+          <p:nvPr/>
+        </p:nvSpPr>
+        <p:spPr>
+          <a:xfrm>
+            <a:off x="3831387" y="4246804"/>
+            <a:ext cx="987129" cy="363035"/>
+          </a:xfrm>
+          <a:prstGeom prst="rect">
+            <a:avLst/>
+          </a:prstGeom>
+          <a:solidFill>
+            <a:schemeClr val="bg1"/>
+          </a:solidFill>
+          <a:ln>
+            <a:solidFill>
+              <a:schemeClr val="tx1"/>
+            </a:solidFill>
+          </a:ln>
+        </p:spPr>
+        <p:style>
+          <a:lnRef idx="2">
+            <a:schemeClr val="accent6"/>
+          </a:lnRef>
+          <a:fillRef idx="1">
+            <a:schemeClr val="lt1"/>
+          </a:fillRef>
+          <a:effectRef idx="0">
+            <a:schemeClr val="accent6"/>
+          </a:effectRef>
+          <a:fontRef idx="minor">
+            <a:schemeClr val="dk1"/>
+          </a:fontRef>
+        </p:style>
+        <p:txBody>
+          <a:bodyPr rtlCol="0" anchor="ctr"/>
+          <a:lstStyle/>
+          <a:p>
+            <a:pPr algn="ctr"/>
+            <a:r>
+              <a:rPr lang="es-ES_tradnl" sz="900" dirty="0">
+                <a:solidFill>
+                  <a:schemeClr val="tx1"/>
+                </a:solidFill>
+              </a:rPr>
+              <a:t>ciencias sociales</a:t>
+            </a:r>
+            <a:endParaRPr lang="es-ES" sz="900" dirty="0">
+              <a:solidFill>
+                <a:schemeClr val="tx1"/>
+              </a:solidFill>
+            </a:endParaRPr>
+          </a:p>
+        </p:txBody>
+      </p:sp>
+      <p:cxnSp>
+        <p:nvCxnSpPr>
+          <p:cNvPr id="53" name="Conector angular 44"/>
+          <p:cNvCxnSpPr>
+            <a:stCxn id="52" idx="0"/>
+            <a:endCxn id="11" idx="2"/>
+          </p:cNvCxnSpPr>
+          <p:nvPr/>
+        </p:nvCxnSpPr>
+        <p:spPr>
+          <a:xfrm rot="16200000" flipV="1">
+            <a:off x="3265481" y="3187333"/>
+            <a:ext cx="1569441" cy="549502"/>
+          </a:xfrm>
+          <a:prstGeom prst="bentConnector3">
+            <a:avLst>
+              <a:gd name="adj1" fmla="val 50000"/>
+            </a:avLst>
+          </a:prstGeom>
+          <a:ln/>
+        </p:spPr>
+        <p:style>
+          <a:lnRef idx="2">
+            <a:schemeClr val="dk1"/>
+          </a:lnRef>
+          <a:fillRef idx="0">
+            <a:schemeClr val="dk1"/>
+          </a:fillRef>
+          <a:effectRef idx="1">
+            <a:schemeClr val="dk1"/>
+          </a:effectRef>
+          <a:fontRef idx="minor">
+            <a:schemeClr val="tx1"/>
+          </a:fontRef>
+        </p:style>
+      </p:cxnSp>
+      <p:sp>
+        <p:nvSpPr>
+          <p:cNvPr id="54" name="Rectángulo 143"/>
+          <p:cNvSpPr/>
+          <p:nvPr/>
+        </p:nvSpPr>
+        <p:spPr>
+          <a:xfrm>
+            <a:off x="2227659" y="4787986"/>
+            <a:ext cx="1210057" cy="848743"/>
+          </a:xfrm>
+          <a:prstGeom prst="rect">
+            <a:avLst/>
+          </a:prstGeom>
+          <a:solidFill>
+            <a:schemeClr val="bg1"/>
+          </a:solidFill>
+          <a:ln>
+            <a:solidFill>
+              <a:schemeClr val="tx1"/>
+            </a:solidFill>
+          </a:ln>
+        </p:spPr>
+        <p:style>
+          <a:lnRef idx="2">
+            <a:schemeClr val="accent6"/>
+          </a:lnRef>
+          <a:fillRef idx="1">
+            <a:schemeClr val="lt1"/>
+          </a:fillRef>
+          <a:effectRef idx="0">
+            <a:schemeClr val="accent6"/>
+          </a:effectRef>
+          <a:fontRef idx="minor">
+            <a:schemeClr val="dk1"/>
+          </a:fontRef>
+        </p:style>
+        <p:txBody>
+          <a:bodyPr rtlCol="0" anchor="ctr"/>
+          <a:lstStyle/>
+          <a:p>
+            <a:pPr marL="171450" indent="-171450">
+              <a:buFont typeface="Arial"/>
+              <a:buChar char="•"/>
+            </a:pPr>
+            <a:r>
+              <a:rPr lang="es-ES" sz="900" dirty="0" smtClean="0">
+                <a:solidFill>
+                  <a:schemeClr val="tx1"/>
+                </a:solidFill>
+              </a:rPr>
+              <a:t>Física</a:t>
+            </a:r>
+          </a:p>
+          <a:p>
+            <a:pPr marL="171450" indent="-171450">
+              <a:buFont typeface="Arial"/>
+              <a:buChar char="•"/>
+            </a:pPr>
+            <a:r>
+              <a:rPr lang="es-ES" sz="900" dirty="0" smtClean="0">
+                <a:solidFill>
+                  <a:schemeClr val="tx1"/>
+                </a:solidFill>
+              </a:rPr>
+              <a:t>Química</a:t>
+            </a:r>
+          </a:p>
+          <a:p>
+            <a:pPr marL="171450" indent="-171450">
+              <a:buFont typeface="Arial"/>
+              <a:buChar char="•"/>
+            </a:pPr>
+            <a:r>
+              <a:rPr lang="es-ES" sz="900" dirty="0" smtClean="0">
+                <a:solidFill>
+                  <a:schemeClr val="tx1"/>
+                </a:solidFill>
+              </a:rPr>
+              <a:t>Biología</a:t>
+            </a:r>
+          </a:p>
+          <a:p>
+            <a:pPr marL="171450" indent="-171450">
+              <a:buFont typeface="Arial"/>
+              <a:buChar char="•"/>
+            </a:pPr>
+            <a:r>
+              <a:rPr lang="es-ES" sz="900" dirty="0" smtClean="0">
+                <a:solidFill>
+                  <a:schemeClr val="tx1"/>
+                </a:solidFill>
+              </a:rPr>
+              <a:t>Astronomía</a:t>
+            </a:r>
+          </a:p>
+          <a:p>
+            <a:pPr marL="171450" indent="-171450">
+              <a:buFont typeface="Arial"/>
+              <a:buChar char="•"/>
+            </a:pPr>
+            <a:r>
+              <a:rPr lang="es-ES" sz="900" dirty="0" smtClean="0">
+                <a:solidFill>
+                  <a:schemeClr val="tx1"/>
+                </a:solidFill>
+              </a:rPr>
+              <a:t>Geografía</a:t>
+            </a:r>
+            <a:endParaRPr lang="es-ES" sz="900" dirty="0">
+              <a:solidFill>
+                <a:schemeClr val="tx1"/>
+              </a:solidFill>
+            </a:endParaRPr>
+          </a:p>
+        </p:txBody>
+      </p:sp>
+      <p:sp>
+        <p:nvSpPr>
+          <p:cNvPr id="56" name="Rectángulo 143"/>
+          <p:cNvSpPr/>
+          <p:nvPr/>
+        </p:nvSpPr>
+        <p:spPr>
+          <a:xfrm>
+            <a:off x="3719922" y="4708537"/>
+            <a:ext cx="1210057" cy="1060016"/>
+          </a:xfrm>
+          <a:prstGeom prst="rect">
+            <a:avLst/>
+          </a:prstGeom>
+          <a:solidFill>
+            <a:schemeClr val="bg1"/>
+          </a:solidFill>
+          <a:ln>
+            <a:solidFill>
+              <a:schemeClr val="tx1"/>
+            </a:solidFill>
+          </a:ln>
+        </p:spPr>
+        <p:style>
+          <a:lnRef idx="2">
+            <a:schemeClr val="accent6"/>
+          </a:lnRef>
+          <a:fillRef idx="1">
+            <a:schemeClr val="lt1"/>
+          </a:fillRef>
+          <a:effectRef idx="0">
+            <a:schemeClr val="accent6"/>
+          </a:effectRef>
+          <a:fontRef idx="minor">
+            <a:schemeClr val="dk1"/>
+          </a:fontRef>
+        </p:style>
+        <p:txBody>
+          <a:bodyPr rtlCol="0" anchor="ctr"/>
+          <a:lstStyle/>
+          <a:p>
+            <a:pPr marL="171450" indent="-171450">
+              <a:buFont typeface="Arial"/>
+              <a:buChar char="•"/>
+            </a:pPr>
+            <a:r>
+              <a:rPr lang="es-ES" sz="900" dirty="0" smtClean="0">
+                <a:solidFill>
+                  <a:schemeClr val="tx1"/>
+                </a:solidFill>
+              </a:rPr>
+              <a:t>Psicología</a:t>
+            </a:r>
+          </a:p>
+          <a:p>
+            <a:pPr marL="171450" indent="-171450">
+              <a:buFont typeface="Arial"/>
+              <a:buChar char="•"/>
+            </a:pPr>
+            <a:r>
+              <a:rPr lang="es-ES" sz="900" dirty="0" smtClean="0">
+                <a:solidFill>
+                  <a:schemeClr val="tx1"/>
+                </a:solidFill>
+              </a:rPr>
+              <a:t>Sociología</a:t>
+            </a:r>
+          </a:p>
+          <a:p>
+            <a:pPr marL="171450" indent="-171450">
+              <a:buFont typeface="Arial"/>
+              <a:buChar char="•"/>
+            </a:pPr>
+            <a:r>
+              <a:rPr lang="en-US" sz="900" dirty="0">
+                <a:solidFill>
+                  <a:schemeClr val="tx1"/>
+                </a:solidFill>
+              </a:rPr>
+              <a:t>P</a:t>
+            </a:r>
+            <a:r>
+              <a:rPr lang="es-ES" sz="900" dirty="0" err="1" smtClean="0">
+                <a:solidFill>
+                  <a:schemeClr val="tx1"/>
+                </a:solidFill>
+              </a:rPr>
+              <a:t>olítica</a:t>
+            </a:r>
+            <a:endParaRPr lang="es-ES" sz="900" dirty="0" smtClean="0">
+              <a:solidFill>
+                <a:schemeClr val="tx1"/>
+              </a:solidFill>
+            </a:endParaRPr>
+          </a:p>
+          <a:p>
+            <a:pPr marL="171450" indent="-171450">
+              <a:buFont typeface="Arial"/>
+              <a:buChar char="•"/>
+            </a:pPr>
+            <a:r>
+              <a:rPr lang="es-ES" sz="900" dirty="0" smtClean="0">
+                <a:solidFill>
+                  <a:schemeClr val="tx1"/>
+                </a:solidFill>
+              </a:rPr>
+              <a:t>Demografía</a:t>
+            </a:r>
+          </a:p>
+          <a:p>
+            <a:pPr marL="171450" indent="-171450">
+              <a:buFont typeface="Arial"/>
+              <a:buChar char="•"/>
+            </a:pPr>
+            <a:r>
+              <a:rPr lang="es-ES" sz="900" dirty="0" smtClean="0">
+                <a:solidFill>
+                  <a:schemeClr val="tx1"/>
+                </a:solidFill>
+              </a:rPr>
+              <a:t>Economía</a:t>
+            </a:r>
+          </a:p>
+          <a:p>
+            <a:pPr marL="171450" indent="-171450">
+              <a:buFont typeface="Arial"/>
+              <a:buChar char="•"/>
+            </a:pPr>
+            <a:r>
+              <a:rPr lang="es-ES" sz="900" dirty="0" smtClean="0">
+                <a:solidFill>
+                  <a:schemeClr val="tx1"/>
+                </a:solidFill>
+              </a:rPr>
+              <a:t>Derecho</a:t>
+            </a:r>
+          </a:p>
+          <a:p>
+            <a:pPr marL="171450" indent="-171450">
+              <a:buFont typeface="Arial"/>
+              <a:buChar char="•"/>
+            </a:pPr>
+            <a:r>
+              <a:rPr lang="es-ES" sz="900" dirty="0" smtClean="0">
+                <a:solidFill>
+                  <a:schemeClr val="tx1"/>
+                </a:solidFill>
+              </a:rPr>
+              <a:t>Historia</a:t>
+            </a:r>
+          </a:p>
+        </p:txBody>
+      </p:sp>
+      <p:cxnSp>
+        <p:nvCxnSpPr>
+          <p:cNvPr id="57" name="Conector angular 141"/>
+          <p:cNvCxnSpPr>
+            <a:stCxn id="52" idx="2"/>
+            <a:endCxn id="56" idx="0"/>
+          </p:cNvCxnSpPr>
+          <p:nvPr/>
+        </p:nvCxnSpPr>
+        <p:spPr>
+          <a:xfrm flipH="1">
+            <a:off x="4324951" y="4609839"/>
+            <a:ext cx="1" cy="98698"/>
+          </a:xfrm>
+          <a:prstGeom prst="straightConnector1">
+            <a:avLst/>
+          </a:prstGeom>
+          <a:ln/>
+        </p:spPr>
+        <p:style>
+          <a:lnRef idx="2">
+            <a:schemeClr val="dk1"/>
+          </a:lnRef>
+          <a:fillRef idx="0">
+            <a:schemeClr val="dk1"/>
+          </a:fillRef>
+          <a:effectRef idx="1">
+            <a:schemeClr val="dk1"/>
+          </a:effectRef>
+          <a:fontRef idx="minor">
+            <a:schemeClr val="tx1"/>
+          </a:fontRef>
+        </p:style>
+      </p:cxnSp>
+      <p:sp>
+        <p:nvSpPr>
+          <p:cNvPr id="58" name="Rectángulo 43"/>
+          <p:cNvSpPr/>
+          <p:nvPr/>
+        </p:nvSpPr>
+        <p:spPr>
+          <a:xfrm>
+            <a:off x="4434484" y="2469611"/>
+            <a:ext cx="1098770" cy="1442668"/>
           </a:xfrm>
           <a:prstGeom prst="rect">
             <a:avLst/>
           </a:prstGeom>
           <a:solidFill>
             <a:schemeClr val="bg2">
-              <a:lumMod val="90000"/>
+              <a:lumMod val="50000"/>
             </a:schemeClr>
           </a:solidFill>
           <a:ln>
@@ -2816,158 +3130,75 @@
           <a:bodyPr rtlCol="0" anchor="ctr"/>
           <a:lstStyle/>
           <a:p>
-            <a:pPr algn="ctr"/>
-            <a:r>
-              <a:rPr lang="en-US" sz="900" dirty="0" smtClean="0"/>
-              <a:t>en</a:t>
-            </a:r>
-            <a:r>
-              <a:rPr lang="es-ES" sz="900" dirty="0" err="1" smtClean="0"/>
-              <a:t>tes</a:t>
-            </a:r>
-            <a:r>
-              <a:rPr lang="es-ES" sz="900" dirty="0" smtClean="0"/>
-              <a:t> </a:t>
-            </a:r>
-            <a:r>
-              <a:rPr lang="es-ES" sz="900" dirty="0"/>
-              <a:t>abstractos</a:t>
-            </a:r>
+            <a:pPr marL="171450" indent="-171450">
+              <a:buFont typeface="Arial"/>
+              <a:buChar char="•"/>
+            </a:pPr>
+            <a:r>
+              <a:rPr lang="es-ES_tradnl" sz="1000" dirty="0">
+                <a:solidFill>
+                  <a:schemeClr val="bg1"/>
+                </a:solidFill>
+              </a:rPr>
+              <a:t>p</a:t>
+            </a:r>
+            <a:r>
+              <a:rPr lang="es-ES_tradnl" sz="1000" dirty="0" smtClean="0">
+                <a:solidFill>
+                  <a:schemeClr val="bg1"/>
+                </a:solidFill>
+              </a:rPr>
+              <a:t>ropiedades y leyes que rigen el comportamiento de la materia y la energía.</a:t>
+            </a:r>
+          </a:p>
+          <a:p>
+            <a:pPr marL="171450" indent="-171450">
+              <a:buFont typeface="Arial"/>
+              <a:buChar char="•"/>
+            </a:pPr>
+            <a:r>
+              <a:rPr lang="es-ES_tradnl" sz="1000" dirty="0" smtClean="0">
+                <a:solidFill>
+                  <a:schemeClr val="bg1"/>
+                </a:solidFill>
+              </a:rPr>
+              <a:t>tiempo.</a:t>
+            </a:r>
+          </a:p>
+          <a:p>
+            <a:pPr marL="171450" indent="-171450">
+              <a:buFont typeface="Arial"/>
+              <a:buChar char="•"/>
+            </a:pPr>
+            <a:r>
+              <a:rPr lang="es-ES_tradnl" sz="1000" dirty="0" smtClean="0">
+                <a:solidFill>
+                  <a:schemeClr val="bg1"/>
+                </a:solidFill>
+              </a:rPr>
+              <a:t>espacio.</a:t>
+            </a:r>
+            <a:endParaRPr lang="es-ES" sz="1000" dirty="0">
+              <a:solidFill>
+                <a:schemeClr val="bg1"/>
+              </a:solidFill>
+            </a:endParaRPr>
           </a:p>
         </p:txBody>
       </p:sp>
       <p:cxnSp>
         <p:nvCxnSpPr>
-          <p:cNvPr id="45" name="Conector angular 44"/>
+          <p:cNvPr id="59" name="Conector angular 44"/>
           <p:cNvCxnSpPr>
-            <a:stCxn id="11" idx="2"/>
-            <a:endCxn id="47" idx="0"/>
+            <a:stCxn id="15" idx="2"/>
+            <a:endCxn id="61" idx="0"/>
           </p:cNvCxnSpPr>
           <p:nvPr/>
         </p:nvCxnSpPr>
         <p:spPr>
-          <a:xfrm flipH="1">
-            <a:off x="3749689" y="2677363"/>
-            <a:ext cx="25761" cy="459198"/>
-          </a:xfrm>
-          <a:prstGeom prst="straightConnector1">
-            <a:avLst/>
-          </a:prstGeom>
-          <a:ln/>
-        </p:spPr>
-        <p:style>
-          <a:lnRef idx="2">
-            <a:schemeClr val="dk1"/>
-          </a:lnRef>
-          <a:fillRef idx="0">
-            <a:schemeClr val="dk1"/>
-          </a:fillRef>
-          <a:effectRef idx="1">
-            <a:schemeClr val="dk1"/>
-          </a:effectRef>
-          <a:fontRef idx="minor">
-            <a:schemeClr val="tx1"/>
-          </a:fontRef>
-        </p:style>
-      </p:cxnSp>
-      <p:cxnSp>
-        <p:nvCxnSpPr>
-          <p:cNvPr id="46" name="Conector angular 44"/>
-          <p:cNvCxnSpPr>
-            <a:stCxn id="47" idx="2"/>
-            <a:endCxn id="44" idx="0"/>
-          </p:cNvCxnSpPr>
-          <p:nvPr/>
-        </p:nvCxnSpPr>
-        <p:spPr>
-          <a:xfrm>
-            <a:off x="3749689" y="3505893"/>
-            <a:ext cx="8614" cy="243349"/>
-          </a:xfrm>
-          <a:prstGeom prst="straightConnector1">
-            <a:avLst/>
-          </a:prstGeom>
-          <a:ln/>
-        </p:spPr>
-        <p:style>
-          <a:lnRef idx="2">
-            <a:schemeClr val="dk1"/>
-          </a:lnRef>
-          <a:fillRef idx="0">
-            <a:schemeClr val="dk1"/>
-          </a:fillRef>
-          <a:effectRef idx="1">
-            <a:schemeClr val="dk1"/>
-          </a:effectRef>
-          <a:fontRef idx="minor">
-            <a:schemeClr val="tx1"/>
-          </a:fontRef>
-        </p:style>
-      </p:cxnSp>
-      <p:sp>
-        <p:nvSpPr>
-          <p:cNvPr id="47" name="CuadroTexto 18"/>
-          <p:cNvSpPr txBox="1"/>
-          <p:nvPr/>
-        </p:nvSpPr>
-        <p:spPr>
-          <a:xfrm>
-            <a:off x="3158519" y="3136561"/>
-            <a:ext cx="1182340" cy="369332"/>
-          </a:xfrm>
-          <a:prstGeom prst="rect">
-            <a:avLst/>
-          </a:prstGeom>
-          <a:noFill/>
-        </p:spPr>
-        <p:txBody>
-          <a:bodyPr wrap="square" rtlCol="0">
-            <a:spAutoFit/>
-          </a:bodyPr>
-          <a:lstStyle/>
-          <a:p>
-            <a:pPr algn="ctr"/>
-            <a:r>
-              <a:rPr lang="en-US" sz="900" dirty="0" err="1" smtClean="0"/>
-              <a:t>su</a:t>
-            </a:r>
-            <a:r>
-              <a:rPr lang="en-US" sz="900" dirty="0" smtClean="0"/>
-              <a:t> </a:t>
-            </a:r>
-            <a:r>
-              <a:rPr lang="en-US" sz="900" dirty="0" err="1" smtClean="0"/>
-              <a:t>objeto</a:t>
-            </a:r>
-            <a:r>
-              <a:rPr lang="en-US" sz="900" dirty="0" smtClean="0"/>
-              <a:t> de </a:t>
-            </a:r>
-            <a:r>
-              <a:rPr lang="en-US" sz="900" dirty="0" err="1" smtClean="0"/>
-              <a:t>estudio</a:t>
-            </a:r>
-            <a:r>
-              <a:rPr lang="en-US" sz="900" dirty="0" smtClean="0"/>
-              <a:t> son los</a:t>
-            </a:r>
-            <a:endParaRPr lang="es-ES" sz="900" dirty="0"/>
-          </a:p>
-        </p:txBody>
-      </p:sp>
-      <p:cxnSp>
-        <p:nvCxnSpPr>
-          <p:cNvPr id="48" name="Conector angular 44"/>
-          <p:cNvCxnSpPr>
-            <a:stCxn id="49" idx="2"/>
-            <a:endCxn id="51" idx="0"/>
-          </p:cNvCxnSpPr>
-          <p:nvPr/>
-        </p:nvCxnSpPr>
-        <p:spPr>
-          <a:xfrm rot="5400000">
-            <a:off x="3049812" y="4425379"/>
-            <a:ext cx="592286" cy="807468"/>
+          <a:xfrm rot="16200000" flipH="1">
+            <a:off x="4743632" y="1534213"/>
+            <a:ext cx="375657" cy="272709"/>
           </a:xfrm>
           <a:prstGeom prst="bentConnector3">
             <a:avLst>
@@ -2993,13 +3224,13 @@
       </p:cxnSp>
       <p:sp>
         <p:nvSpPr>
-          <p:cNvPr id="49" name="CuadroTexto 18"/>
+          <p:cNvPr id="61" name="CuadroTexto 18"/>
           <p:cNvSpPr txBox="1"/>
           <p:nvPr/>
         </p:nvSpPr>
         <p:spPr>
           <a:xfrm>
-            <a:off x="3158519" y="4302138"/>
+            <a:off x="4476645" y="1858397"/>
             <a:ext cx="1182340" cy="230832"/>
           </a:xfrm>
           <a:prstGeom prst="rect">
@@ -3022,520 +3253,22 @@
           <a:p>
             <a:r>
               <a:rPr lang="en-US" dirty="0" err="1"/>
-              <a:t>como</a:t>
-            </a:r>
-            <a:r>
-              <a:rPr lang="en-US" dirty="0"/>
-              <a:t> </a:t>
-            </a:r>
-            <a:r>
-              <a:rPr lang="en-US" dirty="0" err="1"/>
-              <a:t>las</a:t>
+              <a:t>estudia</a:t>
             </a:r>
             <a:endParaRPr lang="es-ES" dirty="0"/>
-          </a:p>
-        </p:txBody>
-      </p:sp>
-      <p:cxnSp>
-        <p:nvCxnSpPr>
-          <p:cNvPr id="50" name="Conector angular 44"/>
-          <p:cNvCxnSpPr>
-            <a:stCxn id="44" idx="2"/>
-            <a:endCxn id="49" idx="0"/>
-          </p:cNvCxnSpPr>
-          <p:nvPr/>
-        </p:nvCxnSpPr>
-        <p:spPr>
-          <a:xfrm flipH="1">
-            <a:off x="3749689" y="4113225"/>
-            <a:ext cx="8614" cy="188913"/>
-          </a:xfrm>
-          <a:prstGeom prst="straightConnector1">
-            <a:avLst/>
-          </a:prstGeom>
-          <a:ln/>
-        </p:spPr>
-        <p:style>
-          <a:lnRef idx="2">
-            <a:schemeClr val="dk1"/>
-          </a:lnRef>
-          <a:fillRef idx="0">
-            <a:schemeClr val="dk1"/>
-          </a:fillRef>
-          <a:effectRef idx="1">
-            <a:schemeClr val="dk1"/>
-          </a:effectRef>
-          <a:fontRef idx="minor">
-            <a:schemeClr val="tx1"/>
-          </a:fontRef>
-        </p:style>
-      </p:cxnSp>
-      <p:sp>
-        <p:nvSpPr>
-          <p:cNvPr id="51" name="Rectángulo 142"/>
-          <p:cNvSpPr/>
-          <p:nvPr/>
-        </p:nvSpPr>
-        <p:spPr>
-          <a:xfrm>
-            <a:off x="2400080" y="5125256"/>
-            <a:ext cx="1084282" cy="363035"/>
-          </a:xfrm>
-          <a:prstGeom prst="rect">
-            <a:avLst/>
-          </a:prstGeom>
-          <a:solidFill>
-            <a:schemeClr val="bg1"/>
-          </a:solidFill>
-          <a:ln>
-            <a:solidFill>
-              <a:schemeClr val="tx1"/>
-            </a:solidFill>
-          </a:ln>
-        </p:spPr>
-        <p:style>
-          <a:lnRef idx="2">
-            <a:schemeClr val="accent6"/>
-          </a:lnRef>
-          <a:fillRef idx="1">
-            <a:schemeClr val="lt1"/>
-          </a:fillRef>
-          <a:effectRef idx="0">
-            <a:schemeClr val="accent6"/>
-          </a:effectRef>
-          <a:fontRef idx="minor">
-            <a:schemeClr val="dk1"/>
-          </a:fontRef>
-        </p:style>
-        <p:txBody>
-          <a:bodyPr rtlCol="0" anchor="ctr"/>
-          <a:lstStyle/>
-          <a:p>
-            <a:pPr algn="ctr"/>
-            <a:r>
-              <a:rPr lang="es-ES_tradnl" sz="900" dirty="0">
-                <a:solidFill>
-                  <a:schemeClr val="tx1"/>
-                </a:solidFill>
-              </a:rPr>
-              <a:t>ciencias naturales</a:t>
-            </a:r>
-            <a:endParaRPr lang="es-ES" sz="900" dirty="0">
-              <a:solidFill>
-                <a:schemeClr val="tx1"/>
-              </a:solidFill>
-            </a:endParaRPr>
           </a:p>
         </p:txBody>
       </p:sp>
       <p:sp>
         <p:nvSpPr>
-          <p:cNvPr id="52" name="Rectángulo 142"/>
+          <p:cNvPr id="62" name="Rectángulo 43"/>
           <p:cNvSpPr/>
           <p:nvPr/>
         </p:nvSpPr>
         <p:spPr>
           <a:xfrm>
-            <a:off x="3940920" y="5125256"/>
-            <a:ext cx="987129" cy="363035"/>
-          </a:xfrm>
-          <a:prstGeom prst="rect">
-            <a:avLst/>
-          </a:prstGeom>
-          <a:solidFill>
-            <a:schemeClr val="bg1"/>
-          </a:solidFill>
-          <a:ln>
-            <a:solidFill>
-              <a:schemeClr val="tx1"/>
-            </a:solidFill>
-          </a:ln>
-        </p:spPr>
-        <p:style>
-          <a:lnRef idx="2">
-            <a:schemeClr val="accent6"/>
-          </a:lnRef>
-          <a:fillRef idx="1">
-            <a:schemeClr val="lt1"/>
-          </a:fillRef>
-          <a:effectRef idx="0">
-            <a:schemeClr val="accent6"/>
-          </a:effectRef>
-          <a:fontRef idx="minor">
-            <a:schemeClr val="dk1"/>
-          </a:fontRef>
-        </p:style>
-        <p:txBody>
-          <a:bodyPr rtlCol="0" anchor="ctr"/>
-          <a:lstStyle/>
-          <a:p>
-            <a:pPr algn="ctr"/>
-            <a:r>
-              <a:rPr lang="es-ES_tradnl" sz="900" dirty="0">
-                <a:solidFill>
-                  <a:schemeClr val="tx1"/>
-                </a:solidFill>
-              </a:rPr>
-              <a:t>ciencias sociales</a:t>
-            </a:r>
-            <a:endParaRPr lang="es-ES" sz="900" dirty="0">
-              <a:solidFill>
-                <a:schemeClr val="tx1"/>
-              </a:solidFill>
-            </a:endParaRPr>
-          </a:p>
-        </p:txBody>
-      </p:sp>
-      <p:cxnSp>
-        <p:nvCxnSpPr>
-          <p:cNvPr id="53" name="Conector angular 44"/>
-          <p:cNvCxnSpPr>
-            <a:stCxn id="52" idx="0"/>
-            <a:endCxn id="49" idx="2"/>
-          </p:cNvCxnSpPr>
-          <p:nvPr/>
-        </p:nvCxnSpPr>
-        <p:spPr>
-          <a:xfrm rot="16200000" flipV="1">
-            <a:off x="3795944" y="4486715"/>
-            <a:ext cx="592286" cy="684796"/>
-          </a:xfrm>
-          <a:prstGeom prst="bentConnector3">
-            <a:avLst>
-              <a:gd name="adj1" fmla="val 50000"/>
-            </a:avLst>
-          </a:prstGeom>
-          <a:ln/>
-        </p:spPr>
-        <p:style>
-          <a:lnRef idx="2">
-            <a:schemeClr val="dk1"/>
-          </a:lnRef>
-          <a:fillRef idx="0">
-            <a:schemeClr val="dk1"/>
-          </a:fillRef>
-          <a:effectRef idx="1">
-            <a:schemeClr val="dk1"/>
-          </a:effectRef>
-          <a:fontRef idx="minor">
-            <a:schemeClr val="tx1"/>
-          </a:fontRef>
-        </p:style>
-      </p:cxnSp>
-      <p:sp>
-        <p:nvSpPr>
-          <p:cNvPr id="54" name="Rectángulo 143"/>
-          <p:cNvSpPr/>
-          <p:nvPr/>
-        </p:nvSpPr>
-        <p:spPr>
-          <a:xfrm>
-            <a:off x="2337192" y="5666438"/>
-            <a:ext cx="1210057" cy="848743"/>
-          </a:xfrm>
-          <a:prstGeom prst="rect">
-            <a:avLst/>
-          </a:prstGeom>
-          <a:solidFill>
-            <a:schemeClr val="bg1"/>
-          </a:solidFill>
-          <a:ln>
-            <a:solidFill>
-              <a:schemeClr val="tx1"/>
-            </a:solidFill>
-          </a:ln>
-        </p:spPr>
-        <p:style>
-          <a:lnRef idx="2">
-            <a:schemeClr val="accent6"/>
-          </a:lnRef>
-          <a:fillRef idx="1">
-            <a:schemeClr val="lt1"/>
-          </a:fillRef>
-          <a:effectRef idx="0">
-            <a:schemeClr val="accent6"/>
-          </a:effectRef>
-          <a:fontRef idx="minor">
-            <a:schemeClr val="dk1"/>
-          </a:fontRef>
-        </p:style>
-        <p:txBody>
-          <a:bodyPr rtlCol="0" anchor="ctr"/>
-          <a:lstStyle/>
-          <a:p>
-            <a:pPr marL="171450" indent="-171450">
-              <a:buFont typeface="Arial"/>
-              <a:buChar char="•"/>
-            </a:pPr>
-            <a:r>
-              <a:rPr lang="es-ES" sz="900" dirty="0" smtClean="0">
-                <a:solidFill>
-                  <a:schemeClr val="tx1"/>
-                </a:solidFill>
-              </a:rPr>
-              <a:t>Física</a:t>
-            </a:r>
-          </a:p>
-          <a:p>
-            <a:pPr marL="171450" indent="-171450">
-              <a:buFont typeface="Arial"/>
-              <a:buChar char="•"/>
-            </a:pPr>
-            <a:r>
-              <a:rPr lang="es-ES" sz="900" dirty="0" smtClean="0">
-                <a:solidFill>
-                  <a:schemeClr val="tx1"/>
-                </a:solidFill>
-              </a:rPr>
-              <a:t>Química</a:t>
-            </a:r>
-          </a:p>
-          <a:p>
-            <a:pPr marL="171450" indent="-171450">
-              <a:buFont typeface="Arial"/>
-              <a:buChar char="•"/>
-            </a:pPr>
-            <a:r>
-              <a:rPr lang="es-ES" sz="900" dirty="0" smtClean="0">
-                <a:solidFill>
-                  <a:schemeClr val="tx1"/>
-                </a:solidFill>
-              </a:rPr>
-              <a:t>Biología</a:t>
-            </a:r>
-          </a:p>
-          <a:p>
-            <a:pPr marL="171450" indent="-171450">
-              <a:buFont typeface="Arial"/>
-              <a:buChar char="•"/>
-            </a:pPr>
-            <a:r>
-              <a:rPr lang="es-ES" sz="900" dirty="0" smtClean="0">
-                <a:solidFill>
-                  <a:schemeClr val="tx1"/>
-                </a:solidFill>
-              </a:rPr>
-              <a:t>Astronomía</a:t>
-            </a:r>
-          </a:p>
-          <a:p>
-            <a:pPr marL="171450" indent="-171450">
-              <a:buFont typeface="Arial"/>
-              <a:buChar char="•"/>
-            </a:pPr>
-            <a:r>
-              <a:rPr lang="es-ES" sz="900" dirty="0" smtClean="0">
-                <a:solidFill>
-                  <a:schemeClr val="tx1"/>
-                </a:solidFill>
-              </a:rPr>
-              <a:t>Geografía</a:t>
-            </a:r>
-            <a:endParaRPr lang="es-ES" sz="900" dirty="0">
-              <a:solidFill>
-                <a:schemeClr val="tx1"/>
-              </a:solidFill>
-            </a:endParaRPr>
-          </a:p>
-        </p:txBody>
-      </p:sp>
-      <p:sp>
-        <p:nvSpPr>
-          <p:cNvPr id="56" name="Rectángulo 143"/>
-          <p:cNvSpPr/>
-          <p:nvPr/>
-        </p:nvSpPr>
-        <p:spPr>
-          <a:xfrm>
-            <a:off x="3829455" y="5586989"/>
-            <a:ext cx="1210057" cy="1060016"/>
-          </a:xfrm>
-          <a:prstGeom prst="rect">
-            <a:avLst/>
-          </a:prstGeom>
-          <a:solidFill>
-            <a:schemeClr val="bg1"/>
-          </a:solidFill>
-          <a:ln>
-            <a:solidFill>
-              <a:schemeClr val="tx1"/>
-            </a:solidFill>
-          </a:ln>
-        </p:spPr>
-        <p:style>
-          <a:lnRef idx="2">
-            <a:schemeClr val="accent6"/>
-          </a:lnRef>
-          <a:fillRef idx="1">
-            <a:schemeClr val="lt1"/>
-          </a:fillRef>
-          <a:effectRef idx="0">
-            <a:schemeClr val="accent6"/>
-          </a:effectRef>
-          <a:fontRef idx="minor">
-            <a:schemeClr val="dk1"/>
-          </a:fontRef>
-        </p:style>
-        <p:txBody>
-          <a:bodyPr rtlCol="0" anchor="ctr"/>
-          <a:lstStyle/>
-          <a:p>
-            <a:pPr marL="171450" indent="-171450">
-              <a:buFont typeface="Arial"/>
-              <a:buChar char="•"/>
-            </a:pPr>
-            <a:r>
-              <a:rPr lang="es-ES" sz="900" dirty="0" smtClean="0">
-                <a:solidFill>
-                  <a:schemeClr val="tx1"/>
-                </a:solidFill>
-              </a:rPr>
-              <a:t>Psicología</a:t>
-            </a:r>
-          </a:p>
-          <a:p>
-            <a:pPr marL="171450" indent="-171450">
-              <a:buFont typeface="Arial"/>
-              <a:buChar char="•"/>
-            </a:pPr>
-            <a:r>
-              <a:rPr lang="es-ES" sz="900" dirty="0" smtClean="0">
-                <a:solidFill>
-                  <a:schemeClr val="tx1"/>
-                </a:solidFill>
-              </a:rPr>
-              <a:t>Sociología</a:t>
-            </a:r>
-          </a:p>
-          <a:p>
-            <a:pPr marL="171450" indent="-171450">
-              <a:buFont typeface="Arial"/>
-              <a:buChar char="•"/>
-            </a:pPr>
-            <a:r>
-              <a:rPr lang="en-US" sz="900" dirty="0">
-                <a:solidFill>
-                  <a:schemeClr val="tx1"/>
-                </a:solidFill>
-              </a:rPr>
-              <a:t>P</a:t>
-            </a:r>
-            <a:r>
-              <a:rPr lang="es-ES" sz="900" dirty="0" err="1" smtClean="0">
-                <a:solidFill>
-                  <a:schemeClr val="tx1"/>
-                </a:solidFill>
-              </a:rPr>
-              <a:t>olítica</a:t>
-            </a:r>
-            <a:endParaRPr lang="es-ES" sz="900" dirty="0" smtClean="0">
-              <a:solidFill>
-                <a:schemeClr val="tx1"/>
-              </a:solidFill>
-            </a:endParaRPr>
-          </a:p>
-          <a:p>
-            <a:pPr marL="171450" indent="-171450">
-              <a:buFont typeface="Arial"/>
-              <a:buChar char="•"/>
-            </a:pPr>
-            <a:r>
-              <a:rPr lang="es-ES" sz="900" dirty="0" smtClean="0">
-                <a:solidFill>
-                  <a:schemeClr val="tx1"/>
-                </a:solidFill>
-              </a:rPr>
-              <a:t>Demografía</a:t>
-            </a:r>
-          </a:p>
-          <a:p>
-            <a:pPr marL="171450" indent="-171450">
-              <a:buFont typeface="Arial"/>
-              <a:buChar char="•"/>
-            </a:pPr>
-            <a:r>
-              <a:rPr lang="es-ES" sz="900" dirty="0" smtClean="0">
-                <a:solidFill>
-                  <a:schemeClr val="tx1"/>
-                </a:solidFill>
-              </a:rPr>
-              <a:t>Economía</a:t>
-            </a:r>
-          </a:p>
-          <a:p>
-            <a:pPr marL="171450" indent="-171450">
-              <a:buFont typeface="Arial"/>
-              <a:buChar char="•"/>
-            </a:pPr>
-            <a:r>
-              <a:rPr lang="es-ES" sz="900" dirty="0" smtClean="0">
-                <a:solidFill>
-                  <a:schemeClr val="tx1"/>
-                </a:solidFill>
-              </a:rPr>
-              <a:t>Derecho</a:t>
-            </a:r>
-          </a:p>
-          <a:p>
-            <a:pPr marL="171450" indent="-171450">
-              <a:buFont typeface="Arial"/>
-              <a:buChar char="•"/>
-            </a:pPr>
-            <a:r>
-              <a:rPr lang="es-ES" sz="900" dirty="0" smtClean="0">
-                <a:solidFill>
-                  <a:schemeClr val="tx1"/>
-                </a:solidFill>
-              </a:rPr>
-              <a:t>Historia</a:t>
-            </a:r>
-          </a:p>
-        </p:txBody>
-      </p:sp>
-      <p:cxnSp>
-        <p:nvCxnSpPr>
-          <p:cNvPr id="57" name="Conector angular 141"/>
-          <p:cNvCxnSpPr>
-            <a:stCxn id="52" idx="2"/>
-            <a:endCxn id="56" idx="0"/>
-          </p:cNvCxnSpPr>
-          <p:nvPr/>
-        </p:nvCxnSpPr>
-        <p:spPr>
-          <a:xfrm flipH="1">
-            <a:off x="4434484" y="5488291"/>
-            <a:ext cx="1" cy="98698"/>
-          </a:xfrm>
-          <a:prstGeom prst="straightConnector1">
-            <a:avLst/>
-          </a:prstGeom>
-          <a:ln/>
-        </p:spPr>
-        <p:style>
-          <a:lnRef idx="2">
-            <a:schemeClr val="dk1"/>
-          </a:lnRef>
-          <a:fillRef idx="0">
-            <a:schemeClr val="dk1"/>
-          </a:fillRef>
-          <a:effectRef idx="1">
-            <a:schemeClr val="dk1"/>
-          </a:effectRef>
-          <a:fontRef idx="minor">
-            <a:schemeClr val="tx1"/>
-          </a:fontRef>
-        </p:style>
-      </p:cxnSp>
-      <p:sp>
-        <p:nvSpPr>
-          <p:cNvPr id="58" name="Rectángulo 43"/>
-          <p:cNvSpPr/>
-          <p:nvPr/>
-        </p:nvSpPr>
-        <p:spPr>
-          <a:xfrm>
-            <a:off x="4434484" y="2469611"/>
-            <a:ext cx="1098770" cy="1442668"/>
+            <a:off x="7050688" y="2561425"/>
+            <a:ext cx="896686" cy="751640"/>
           </a:xfrm>
           <a:prstGeom prst="rect">
             <a:avLst/>
@@ -3569,25 +3302,302 @@
           <a:bodyPr rtlCol="0" anchor="ctr"/>
           <a:lstStyle/>
           <a:p>
+            <a:pPr algn="ctr"/>
+            <a:r>
+              <a:rPr lang="es-ES" sz="1000" dirty="0" smtClean="0">
+                <a:solidFill>
+                  <a:schemeClr val="bg1"/>
+                </a:solidFill>
+              </a:rPr>
+              <a:t>Sistema internacional</a:t>
+            </a:r>
+            <a:r>
+              <a:rPr lang="es-ES" sz="1000" dirty="0">
+                <a:solidFill>
+                  <a:schemeClr val="bg1"/>
+                </a:solidFill>
+              </a:rPr>
+              <a:t> </a:t>
+            </a:r>
+            <a:r>
+              <a:rPr lang="es-ES" sz="1000" dirty="0" smtClean="0">
+                <a:solidFill>
+                  <a:schemeClr val="bg1"/>
+                </a:solidFill>
+              </a:rPr>
+              <a:t>de unidades (SI)</a:t>
+            </a:r>
+          </a:p>
+        </p:txBody>
+      </p:sp>
+      <p:cxnSp>
+        <p:nvCxnSpPr>
+          <p:cNvPr id="63" name="Conector angular 44"/>
+          <p:cNvCxnSpPr>
+            <a:stCxn id="64" idx="2"/>
+            <a:endCxn id="62" idx="0"/>
+          </p:cNvCxnSpPr>
+          <p:nvPr/>
+        </p:nvCxnSpPr>
+        <p:spPr>
+          <a:xfrm flipH="1">
+            <a:off x="7499031" y="2445892"/>
+            <a:ext cx="3224" cy="115533"/>
+          </a:xfrm>
+          <a:prstGeom prst="straightConnector1">
+            <a:avLst/>
+          </a:prstGeom>
+          <a:ln/>
+        </p:spPr>
+        <p:style>
+          <a:lnRef idx="2">
+            <a:schemeClr val="dk1"/>
+          </a:lnRef>
+          <a:fillRef idx="0">
+            <a:schemeClr val="dk1"/>
+          </a:fillRef>
+          <a:effectRef idx="1">
+            <a:schemeClr val="dk1"/>
+          </a:effectRef>
+          <a:fontRef idx="minor">
+            <a:schemeClr val="tx1"/>
+          </a:fontRef>
+        </p:style>
+      </p:cxnSp>
+      <p:sp>
+        <p:nvSpPr>
+          <p:cNvPr id="64" name="CuadroTexto 18"/>
+          <p:cNvSpPr txBox="1"/>
+          <p:nvPr/>
+        </p:nvSpPr>
+        <p:spPr>
+          <a:xfrm>
+            <a:off x="6989544" y="2076560"/>
+            <a:ext cx="1025421" cy="369332"/>
+          </a:xfrm>
+          <a:prstGeom prst="rect">
+            <a:avLst/>
+          </a:prstGeom>
+          <a:noFill/>
+        </p:spPr>
+        <p:txBody>
+          <a:bodyPr wrap="square" rtlCol="0">
+            <a:spAutoFit/>
+          </a:bodyPr>
+          <a:lstStyle/>
+          <a:p>
+            <a:pPr algn="ctr"/>
+            <a:r>
+              <a:rPr lang="en-US" sz="900" dirty="0" err="1"/>
+              <a:t>expresadas</a:t>
+            </a:r>
+            <a:r>
+              <a:rPr lang="en-US" sz="900" dirty="0"/>
+              <a:t> en </a:t>
+            </a:r>
+            <a:r>
+              <a:rPr lang="en-US" sz="900" dirty="0" err="1"/>
+              <a:t>unidades</a:t>
+            </a:r>
+            <a:r>
+              <a:rPr lang="en-US" sz="900" dirty="0"/>
+              <a:t> del</a:t>
+            </a:r>
+            <a:endParaRPr lang="es-ES" sz="900" dirty="0"/>
+          </a:p>
+        </p:txBody>
+      </p:sp>
+      <p:cxnSp>
+        <p:nvCxnSpPr>
+          <p:cNvPr id="65" name="Conector angular 44"/>
+          <p:cNvCxnSpPr>
+            <a:stCxn id="4" idx="2"/>
+            <a:endCxn id="64" idx="0"/>
+          </p:cNvCxnSpPr>
+          <p:nvPr/>
+        </p:nvCxnSpPr>
+        <p:spPr>
+          <a:xfrm rot="5400000">
+            <a:off x="7556007" y="1701217"/>
+            <a:ext cx="321592" cy="429095"/>
+          </a:xfrm>
+          <a:prstGeom prst="bentConnector3">
+            <a:avLst>
+              <a:gd name="adj1" fmla="val 50000"/>
+            </a:avLst>
+          </a:prstGeom>
+          <a:ln/>
+        </p:spPr>
+        <p:style>
+          <a:lnRef idx="2">
+            <a:schemeClr val="dk1"/>
+          </a:lnRef>
+          <a:fillRef idx="0">
+            <a:schemeClr val="dk1"/>
+          </a:fillRef>
+          <a:effectRef idx="1">
+            <a:schemeClr val="dk1"/>
+          </a:effectRef>
+          <a:fontRef idx="minor">
+            <a:schemeClr val="tx1"/>
+          </a:fontRef>
+        </p:style>
+      </p:cxnSp>
+      <p:cxnSp>
+        <p:nvCxnSpPr>
+          <p:cNvPr id="66" name="Conector angular 44"/>
+          <p:cNvCxnSpPr>
+            <a:stCxn id="67" idx="2"/>
+            <a:endCxn id="69" idx="0"/>
+          </p:cNvCxnSpPr>
+          <p:nvPr/>
+        </p:nvCxnSpPr>
+        <p:spPr>
+          <a:xfrm rot="5400000">
+            <a:off x="7143709" y="3840942"/>
+            <a:ext cx="343563" cy="346729"/>
+          </a:xfrm>
+          <a:prstGeom prst="bentConnector3">
+            <a:avLst>
+              <a:gd name="adj1" fmla="val 50000"/>
+            </a:avLst>
+          </a:prstGeom>
+          <a:ln/>
+        </p:spPr>
+        <p:style>
+          <a:lnRef idx="2">
+            <a:schemeClr val="dk1"/>
+          </a:lnRef>
+          <a:fillRef idx="0">
+            <a:schemeClr val="dk1"/>
+          </a:fillRef>
+          <a:effectRef idx="1">
+            <a:schemeClr val="dk1"/>
+          </a:effectRef>
+          <a:fontRef idx="minor">
+            <a:schemeClr val="tx1"/>
+          </a:fontRef>
+        </p:style>
+      </p:cxnSp>
+      <p:sp>
+        <p:nvSpPr>
+          <p:cNvPr id="67" name="CuadroTexto 18"/>
+          <p:cNvSpPr txBox="1"/>
+          <p:nvPr/>
+        </p:nvSpPr>
+        <p:spPr>
+          <a:xfrm>
+            <a:off x="6897684" y="3611693"/>
+            <a:ext cx="1182340" cy="230832"/>
+          </a:xfrm>
+          <a:prstGeom prst="rect">
+            <a:avLst/>
+          </a:prstGeom>
+          <a:noFill/>
+        </p:spPr>
+        <p:txBody>
+          <a:bodyPr wrap="square" rtlCol="0">
+            <a:spAutoFit/>
+          </a:bodyPr>
+          <a:lstStyle/>
+          <a:p>
+            <a:pPr algn="ctr"/>
+            <a:r>
+              <a:rPr lang="en-US" sz="900" dirty="0" err="1" smtClean="0"/>
+              <a:t>como</a:t>
+            </a:r>
+            <a:endParaRPr lang="es-ES" sz="900" dirty="0"/>
+          </a:p>
+        </p:txBody>
+      </p:sp>
+      <p:cxnSp>
+        <p:nvCxnSpPr>
+          <p:cNvPr id="68" name="Conector angular 44"/>
+          <p:cNvCxnSpPr>
+            <a:stCxn id="62" idx="2"/>
+            <a:endCxn id="67" idx="0"/>
+          </p:cNvCxnSpPr>
+          <p:nvPr/>
+        </p:nvCxnSpPr>
+        <p:spPr>
+          <a:xfrm flipH="1">
+            <a:off x="7488854" y="3313065"/>
+            <a:ext cx="10177" cy="298628"/>
+          </a:xfrm>
+          <a:prstGeom prst="straightConnector1">
+            <a:avLst/>
+          </a:prstGeom>
+          <a:ln/>
+        </p:spPr>
+        <p:style>
+          <a:lnRef idx="2">
+            <a:schemeClr val="dk1"/>
+          </a:lnRef>
+          <a:fillRef idx="0">
+            <a:schemeClr val="dk1"/>
+          </a:fillRef>
+          <a:effectRef idx="1">
+            <a:schemeClr val="dk1"/>
+          </a:effectRef>
+          <a:fontRef idx="minor">
+            <a:schemeClr val="tx1"/>
+          </a:fontRef>
+        </p:style>
+      </p:cxnSp>
+      <p:sp>
+        <p:nvSpPr>
+          <p:cNvPr id="69" name="Rectángulo 142"/>
+          <p:cNvSpPr/>
+          <p:nvPr/>
+        </p:nvSpPr>
+        <p:spPr>
+          <a:xfrm>
+            <a:off x="6371799" y="4186088"/>
+            <a:ext cx="1540651" cy="1400902"/>
+          </a:xfrm>
+          <a:prstGeom prst="rect">
+            <a:avLst/>
+          </a:prstGeom>
+          <a:solidFill>
+            <a:schemeClr val="bg2">
+              <a:lumMod val="90000"/>
+            </a:schemeClr>
+          </a:solidFill>
+          <a:ln>
+            <a:solidFill>
+              <a:schemeClr val="tx1"/>
+            </a:solidFill>
+          </a:ln>
+        </p:spPr>
+        <p:style>
+          <a:lnRef idx="2">
+            <a:schemeClr val="accent6"/>
+          </a:lnRef>
+          <a:fillRef idx="1">
+            <a:schemeClr val="lt1"/>
+          </a:fillRef>
+          <a:effectRef idx="0">
+            <a:schemeClr val="accent6"/>
+          </a:effectRef>
+          <a:fontRef idx="minor">
+            <a:schemeClr val="dk1"/>
+          </a:fontRef>
+        </p:style>
+        <p:txBody>
+          <a:bodyPr rtlCol="0" anchor="ctr"/>
+          <a:lstStyle/>
+          <a:p>
             <a:pPr marL="171450" indent="-171450">
               <a:buFont typeface="Arial"/>
               <a:buChar char="•"/>
             </a:pPr>
             <a:r>
-              <a:rPr lang="es-ES_tradnl" sz="1000" dirty="0">
-                <a:solidFill>
-                  <a:schemeClr val="bg1"/>
-                </a:solidFill>
-              </a:rPr>
-              <a:t>p</a:t>
-            </a:r>
-            <a:r>
-              <a:rPr lang="es-ES_tradnl" sz="1000" dirty="0" smtClean="0">
-                <a:solidFill>
-                  <a:schemeClr val="bg1"/>
-                </a:solidFill>
-              </a:rPr>
-              <a:t>ropiedades y leyes que rigen el comportamiento de la materia y la energía.</a:t>
+              <a:rPr lang="es-ES_tradnl" sz="900" dirty="0"/>
+              <a:t>l</a:t>
+            </a:r>
+            <a:r>
+              <a:rPr lang="es-ES_tradnl" sz="900" dirty="0" smtClean="0"/>
+              <a:t>ongitud (m).</a:t>
             </a:r>
           </a:p>
           <a:p>
@@ -3596,12 +3606,12 @@
               <a:buChar char="•"/>
             </a:pPr>
             <a:r>
-              <a:rPr lang="es-ES_tradnl" sz="1000" dirty="0" smtClean="0">
-                <a:solidFill>
-                  <a:schemeClr val="bg1"/>
-                </a:solidFill>
-              </a:rPr>
-              <a:t>tiempo.</a:t>
+              <a:rPr lang="es-ES_tradnl" sz="900" dirty="0" smtClean="0">
+                <a:solidFill>
+                  <a:schemeClr val="tx1"/>
+                </a:solidFill>
+              </a:rPr>
+              <a:t>masa (Kg).</a:t>
             </a:r>
           </a:p>
           <a:p>
@@ -3610,16 +3620,88 @@
               <a:buChar char="•"/>
             </a:pPr>
             <a:r>
-              <a:rPr lang="es-ES_tradnl" sz="1000" dirty="0" smtClean="0">
-                <a:solidFill>
-                  <a:schemeClr val="bg1"/>
-                </a:solidFill>
-              </a:rPr>
-              <a:t>espacio.</a:t>
-            </a:r>
-            <a:endParaRPr lang="es-ES" sz="1000" dirty="0">
+              <a:rPr lang="es-ES_tradnl" sz="900" dirty="0">
+                <a:solidFill>
+                  <a:schemeClr val="tx1"/>
+                </a:solidFill>
+              </a:rPr>
+              <a:t>t</a:t>
+            </a:r>
+            <a:r>
+              <a:rPr lang="es-ES_tradnl" sz="900" dirty="0" smtClean="0">
+                <a:solidFill>
+                  <a:schemeClr val="tx1"/>
+                </a:solidFill>
+              </a:rPr>
+              <a:t>iempo (s).</a:t>
+            </a:r>
+          </a:p>
+          <a:p>
+            <a:pPr marL="171450" indent="-171450">
+              <a:buFont typeface="Arial"/>
+              <a:buChar char="•"/>
+            </a:pPr>
+            <a:r>
+              <a:rPr lang="es-ES_tradnl" sz="900" dirty="0" smtClean="0">
+                <a:solidFill>
+                  <a:schemeClr val="tx1"/>
+                </a:solidFill>
+              </a:rPr>
+              <a:t>temperatura (k).</a:t>
+            </a:r>
+          </a:p>
+          <a:p>
+            <a:pPr marL="171450" indent="-171450">
+              <a:buFont typeface="Arial"/>
+              <a:buChar char="•"/>
+            </a:pPr>
+            <a:r>
+              <a:rPr lang="es-ES_tradnl" sz="900" dirty="0" smtClean="0">
+                <a:solidFill>
+                  <a:schemeClr val="tx1"/>
+                </a:solidFill>
+              </a:rPr>
+              <a:t>intensidad corriente (A).</a:t>
+            </a:r>
+          </a:p>
+          <a:p>
+            <a:pPr marL="171450" indent="-171450">
+              <a:buFont typeface="Arial"/>
+              <a:buChar char="•"/>
+            </a:pPr>
+            <a:r>
+              <a:rPr lang="es-ES_tradnl" sz="900" dirty="0">
+                <a:solidFill>
+                  <a:schemeClr val="tx1"/>
+                </a:solidFill>
+              </a:rPr>
+              <a:t>c</a:t>
+            </a:r>
+            <a:r>
+              <a:rPr lang="es-ES_tradnl" sz="900" dirty="0" smtClean="0">
+                <a:solidFill>
+                  <a:schemeClr val="tx1"/>
+                </a:solidFill>
+              </a:rPr>
+              <a:t>antidad de sustancia (mol).</a:t>
+            </a:r>
+          </a:p>
+          <a:p>
+            <a:pPr marL="171450" indent="-171450">
+              <a:buFont typeface="Arial"/>
+              <a:buChar char="•"/>
+            </a:pPr>
+            <a:r>
+              <a:rPr lang="es-ES_tradnl" sz="900" dirty="0" smtClean="0">
+                <a:solidFill>
+                  <a:schemeClr val="tx1"/>
+                </a:solidFill>
+              </a:rPr>
+              <a:t>intensidad luminosa (candela).</a:t>
+            </a:r>
+            <a:endParaRPr lang="es-ES" sz="900" dirty="0">
               <a:solidFill>
-                <a:schemeClr val="bg1"/>
+                <a:schemeClr val="tx1"/>
               </a:solidFill>
             </a:endParaRPr>
           </a:p>
@@ -3627,22 +3709,20 @@
       </p:sp>
       <p:cxnSp>
         <p:nvCxnSpPr>
-          <p:cNvPr id="59" name="Conector angular 44"/>
+          <p:cNvPr id="70" name="Conector angular 141"/>
           <p:cNvCxnSpPr>
-            <a:stCxn id="15" idx="2"/>
-            <a:endCxn id="61" idx="0"/>
+            <a:stCxn id="69" idx="2"/>
+            <a:endCxn id="71" idx="0"/>
           </p:cNvCxnSpPr>
           <p:nvPr/>
         </p:nvCxnSpPr>
         <p:spPr>
-          <a:xfrm rot="16200000" flipH="1">
-            <a:off x="4743632" y="1534213"/>
-            <a:ext cx="375657" cy="272709"/>
-          </a:xfrm>
-          <a:prstGeom prst="bentConnector3">
-            <a:avLst>
-              <a:gd name="adj1" fmla="val 50000"/>
-            </a:avLst>
+          <a:xfrm>
+            <a:off x="7142125" y="5586990"/>
+            <a:ext cx="1" cy="158897"/>
+          </a:xfrm>
+          <a:prstGeom prst="straightConnector1">
+            <a:avLst/>
           </a:prstGeom>
           <a:ln/>
         </p:spPr>
@@ -3663,19 +3743,530 @@
       </p:cxnSp>
       <p:sp>
         <p:nvSpPr>
-          <p:cNvPr id="61" name="CuadroTexto 18"/>
+          <p:cNvPr id="71" name="CuadroTexto 140"/>
           <p:cNvSpPr txBox="1"/>
           <p:nvPr/>
         </p:nvSpPr>
         <p:spPr>
           <a:xfrm>
-            <a:off x="4476645" y="1858397"/>
+            <a:off x="6534907" y="5745887"/>
+            <a:ext cx="1214438" cy="369332"/>
+          </a:xfrm>
+          <a:prstGeom prst="rect">
+            <a:avLst/>
+          </a:prstGeom>
+          <a:noFill/>
+        </p:spPr>
+        <p:txBody>
+          <a:bodyPr wrap="square" rtlCol="0">
+            <a:spAutoFit/>
+          </a:bodyPr>
+          <a:lstStyle/>
+          <a:p>
+            <a:pPr algn="ctr"/>
+            <a:r>
+              <a:rPr lang="es-ES_tradnl" sz="900" dirty="0" smtClean="0"/>
+              <a:t>se transforman usando</a:t>
+            </a:r>
+            <a:endParaRPr lang="es-ES" sz="900" dirty="0"/>
+          </a:p>
+        </p:txBody>
+      </p:sp>
+      <p:sp>
+        <p:nvSpPr>
+          <p:cNvPr id="72" name="Rectángulo 143"/>
+          <p:cNvSpPr/>
+          <p:nvPr/>
+        </p:nvSpPr>
+        <p:spPr>
+          <a:xfrm>
+            <a:off x="6545749" y="6305148"/>
+            <a:ext cx="1184227" cy="372789"/>
+          </a:xfrm>
+          <a:prstGeom prst="rect">
+            <a:avLst/>
+          </a:prstGeom>
+          <a:solidFill>
+            <a:schemeClr val="bg1"/>
+          </a:solidFill>
+          <a:ln>
+            <a:solidFill>
+              <a:schemeClr val="tx1"/>
+            </a:solidFill>
+          </a:ln>
+        </p:spPr>
+        <p:style>
+          <a:lnRef idx="2">
+            <a:schemeClr val="accent6"/>
+          </a:lnRef>
+          <a:fillRef idx="1">
+            <a:schemeClr val="lt1"/>
+          </a:fillRef>
+          <a:effectRef idx="0">
+            <a:schemeClr val="accent6"/>
+          </a:effectRef>
+          <a:fontRef idx="minor">
+            <a:schemeClr val="dk1"/>
+          </a:fontRef>
+        </p:style>
+        <p:txBody>
+          <a:bodyPr rtlCol="0" anchor="ctr"/>
+          <a:lstStyle/>
+          <a:p>
+            <a:pPr algn="ctr"/>
+            <a:r>
+              <a:rPr lang="es-ES" sz="900" dirty="0">
+                <a:solidFill>
+                  <a:schemeClr val="tx1"/>
+                </a:solidFill>
+              </a:rPr>
+              <a:t>f</a:t>
+            </a:r>
+            <a:r>
+              <a:rPr lang="es-ES" sz="900" dirty="0" smtClean="0">
+                <a:solidFill>
+                  <a:schemeClr val="tx1"/>
+                </a:solidFill>
+              </a:rPr>
+              <a:t>actores de conversión</a:t>
+            </a:r>
+            <a:endParaRPr lang="es-ES" sz="900" dirty="0">
+              <a:solidFill>
+                <a:schemeClr val="tx1"/>
+              </a:solidFill>
+            </a:endParaRPr>
+          </a:p>
+        </p:txBody>
+      </p:sp>
+      <p:cxnSp>
+        <p:nvCxnSpPr>
+          <p:cNvPr id="73" name="Conector angular 141"/>
+          <p:cNvCxnSpPr>
+            <a:stCxn id="71" idx="2"/>
+            <a:endCxn id="72" idx="0"/>
+          </p:cNvCxnSpPr>
+          <p:nvPr/>
+        </p:nvCxnSpPr>
+        <p:spPr>
+          <a:xfrm flipH="1">
+            <a:off x="7137863" y="6115219"/>
+            <a:ext cx="4263" cy="189929"/>
+          </a:xfrm>
+          <a:prstGeom prst="straightConnector1">
+            <a:avLst/>
+          </a:prstGeom>
+          <a:ln/>
+        </p:spPr>
+        <p:style>
+          <a:lnRef idx="2">
+            <a:schemeClr val="dk1"/>
+          </a:lnRef>
+          <a:fillRef idx="0">
+            <a:schemeClr val="dk1"/>
+          </a:fillRef>
+          <a:effectRef idx="1">
+            <a:schemeClr val="dk1"/>
+          </a:effectRef>
+          <a:fontRef idx="minor">
+            <a:schemeClr val="tx1"/>
+          </a:fontRef>
+        </p:style>
+      </p:cxnSp>
+      <p:cxnSp>
+        <p:nvCxnSpPr>
+          <p:cNvPr id="74" name="Conector angular 44"/>
+          <p:cNvCxnSpPr>
+            <a:stCxn id="75" idx="2"/>
+            <a:endCxn id="77" idx="0"/>
+          </p:cNvCxnSpPr>
+          <p:nvPr/>
+        </p:nvCxnSpPr>
+        <p:spPr>
+          <a:xfrm>
+            <a:off x="8497663" y="3855280"/>
+            <a:ext cx="10078" cy="353612"/>
+          </a:xfrm>
+          <a:prstGeom prst="straightConnector1">
+            <a:avLst/>
+          </a:prstGeom>
+          <a:ln/>
+        </p:spPr>
+        <p:style>
+          <a:lnRef idx="2">
+            <a:schemeClr val="dk1"/>
+          </a:lnRef>
+          <a:fillRef idx="0">
+            <a:schemeClr val="dk1"/>
+          </a:fillRef>
+          <a:effectRef idx="1">
+            <a:schemeClr val="dk1"/>
+          </a:effectRef>
+          <a:fontRef idx="minor">
+            <a:schemeClr val="tx1"/>
+          </a:fontRef>
+        </p:style>
+      </p:cxnSp>
+      <p:sp>
+        <p:nvSpPr>
+          <p:cNvPr id="75" name="CuadroTexto 18"/>
+          <p:cNvSpPr txBox="1"/>
+          <p:nvPr/>
+        </p:nvSpPr>
+        <p:spPr>
+          <a:xfrm>
+            <a:off x="7906493" y="3624448"/>
             <a:ext cx="1182340" cy="230832"/>
           </a:xfrm>
           <a:prstGeom prst="rect">
             <a:avLst/>
           </a:prstGeom>
           <a:noFill/>
+        </p:spPr>
+        <p:txBody>
+          <a:bodyPr wrap="square" rtlCol="0">
+            <a:spAutoFit/>
+          </a:bodyPr>
+          <a:lstStyle/>
+          <a:p>
+            <a:pPr algn="ctr"/>
+            <a:r>
+              <a:rPr lang="en-US" sz="900" dirty="0" err="1"/>
+              <a:t>p</a:t>
+            </a:r>
+            <a:r>
+              <a:rPr lang="en-US" sz="900" dirty="0" err="1" smtClean="0"/>
+              <a:t>ueden</a:t>
+            </a:r>
+            <a:r>
+              <a:rPr lang="en-US" sz="900" dirty="0" smtClean="0"/>
+              <a:t> </a:t>
+            </a:r>
+            <a:r>
+              <a:rPr lang="en-US" sz="900" dirty="0" err="1" smtClean="0"/>
+              <a:t>ser</a:t>
+            </a:r>
+            <a:endParaRPr lang="es-ES" sz="900" dirty="0"/>
+          </a:p>
+        </p:txBody>
+      </p:sp>
+      <p:cxnSp>
+        <p:nvCxnSpPr>
+          <p:cNvPr id="76" name="Conector angular 44"/>
+          <p:cNvCxnSpPr>
+            <a:stCxn id="27" idx="2"/>
+            <a:endCxn id="75" idx="0"/>
+          </p:cNvCxnSpPr>
+          <p:nvPr/>
+        </p:nvCxnSpPr>
+        <p:spPr>
+          <a:xfrm flipH="1">
+            <a:off x="8497663" y="3330643"/>
+            <a:ext cx="10079" cy="293805"/>
+          </a:xfrm>
+          <a:prstGeom prst="straightConnector1">
+            <a:avLst/>
+          </a:prstGeom>
+          <a:ln/>
+        </p:spPr>
+        <p:style>
+          <a:lnRef idx="2">
+            <a:schemeClr val="dk1"/>
+          </a:lnRef>
+          <a:fillRef idx="0">
+            <a:schemeClr val="dk1"/>
+          </a:fillRef>
+          <a:effectRef idx="1">
+            <a:schemeClr val="dk1"/>
+          </a:effectRef>
+          <a:fontRef idx="minor">
+            <a:schemeClr val="tx1"/>
+          </a:fontRef>
+        </p:style>
+      </p:cxnSp>
+      <p:sp>
+        <p:nvSpPr>
+          <p:cNvPr id="77" name="Rectángulo 142"/>
+          <p:cNvSpPr/>
+          <p:nvPr/>
+        </p:nvSpPr>
+        <p:spPr>
+          <a:xfrm>
+            <a:off x="8093771" y="4208892"/>
+            <a:ext cx="827939" cy="363035"/>
+          </a:xfrm>
+          <a:prstGeom prst="rect">
+            <a:avLst/>
+          </a:prstGeom>
+          <a:solidFill>
+            <a:schemeClr val="bg2">
+              <a:lumMod val="90000"/>
+            </a:schemeClr>
+          </a:solidFill>
+          <a:ln>
+            <a:solidFill>
+              <a:schemeClr val="tx1"/>
+            </a:solidFill>
+          </a:ln>
+        </p:spPr>
+        <p:style>
+          <a:lnRef idx="2">
+            <a:schemeClr val="accent6"/>
+          </a:lnRef>
+          <a:fillRef idx="1">
+            <a:schemeClr val="lt1"/>
+          </a:fillRef>
+          <a:effectRef idx="0">
+            <a:schemeClr val="accent6"/>
+          </a:effectRef>
+          <a:fontRef idx="minor">
+            <a:schemeClr val="dk1"/>
+          </a:fontRef>
+        </p:style>
+        <p:txBody>
+          <a:bodyPr rtlCol="0" anchor="ctr"/>
+          <a:lstStyle/>
+          <a:p>
+            <a:pPr algn="ctr"/>
+            <a:r>
+              <a:rPr lang="en-US" sz="900" dirty="0"/>
+              <a:t>s</a:t>
+            </a:r>
+            <a:r>
+              <a:rPr lang="es-ES_tradnl" sz="900" dirty="0" err="1" smtClean="0"/>
+              <a:t>istemáticos</a:t>
+            </a:r>
+            <a:r>
+              <a:rPr lang="es-ES_tradnl" sz="900" dirty="0" smtClean="0"/>
+              <a:t> o aleatorios</a:t>
+            </a:r>
+            <a:endParaRPr lang="es-ES" sz="900" dirty="0">
+              <a:solidFill>
+                <a:schemeClr val="tx1"/>
+              </a:solidFill>
+            </a:endParaRPr>
+          </a:p>
+        </p:txBody>
+      </p:sp>
+      <p:cxnSp>
+        <p:nvCxnSpPr>
+          <p:cNvPr id="78" name="Conector angular 141"/>
+          <p:cNvCxnSpPr>
+            <a:stCxn id="77" idx="2"/>
+            <a:endCxn id="79" idx="0"/>
+          </p:cNvCxnSpPr>
+          <p:nvPr/>
+        </p:nvCxnSpPr>
+        <p:spPr>
+          <a:xfrm flipH="1">
+            <a:off x="8507740" y="4571927"/>
+            <a:ext cx="1" cy="344611"/>
+          </a:xfrm>
+          <a:prstGeom prst="straightConnector1">
+            <a:avLst/>
+          </a:prstGeom>
+          <a:ln/>
+        </p:spPr>
+        <p:style>
+          <a:lnRef idx="2">
+            <a:schemeClr val="dk1"/>
+          </a:lnRef>
+          <a:fillRef idx="0">
+            <a:schemeClr val="dk1"/>
+          </a:fillRef>
+          <a:effectRef idx="1">
+            <a:schemeClr val="dk1"/>
+          </a:effectRef>
+          <a:fontRef idx="minor">
+            <a:schemeClr val="tx1"/>
+          </a:fontRef>
+        </p:style>
+      </p:cxnSp>
+      <p:sp>
+        <p:nvSpPr>
+          <p:cNvPr id="79" name="CuadroTexto 140"/>
+          <p:cNvSpPr txBox="1"/>
+          <p:nvPr/>
+        </p:nvSpPr>
+        <p:spPr>
+          <a:xfrm>
+            <a:off x="8031332" y="4916538"/>
+            <a:ext cx="952815" cy="230832"/>
+          </a:xfrm>
+          <a:prstGeom prst="rect">
+            <a:avLst/>
+          </a:prstGeom>
+          <a:noFill/>
+        </p:spPr>
+        <p:txBody>
+          <a:bodyPr wrap="square" rtlCol="0">
+            <a:spAutoFit/>
+          </a:bodyPr>
+          <a:lstStyle/>
+          <a:p>
+            <a:pPr algn="ctr"/>
+            <a:r>
+              <a:rPr lang="es-ES_tradnl" sz="900" dirty="0" smtClean="0"/>
+              <a:t>determinan</a:t>
+            </a:r>
+            <a:endParaRPr lang="es-ES" sz="900" dirty="0"/>
+          </a:p>
+        </p:txBody>
+      </p:sp>
+      <p:sp>
+        <p:nvSpPr>
+          <p:cNvPr id="80" name="Rectángulo 143"/>
+          <p:cNvSpPr/>
+          <p:nvPr/>
+        </p:nvSpPr>
+        <p:spPr>
+          <a:xfrm>
+            <a:off x="8020587" y="5483441"/>
+            <a:ext cx="963560" cy="846096"/>
+          </a:xfrm>
+          <a:prstGeom prst="rect">
+            <a:avLst/>
+          </a:prstGeom>
+          <a:solidFill>
+            <a:schemeClr val="bg1"/>
+          </a:solidFill>
+          <a:ln>
+            <a:solidFill>
+              <a:schemeClr val="tx1"/>
+            </a:solidFill>
+          </a:ln>
+        </p:spPr>
+        <p:style>
+          <a:lnRef idx="2">
+            <a:schemeClr val="accent6"/>
+          </a:lnRef>
+          <a:fillRef idx="1">
+            <a:schemeClr val="lt1"/>
+          </a:fillRef>
+          <a:effectRef idx="0">
+            <a:schemeClr val="accent6"/>
+          </a:effectRef>
+          <a:fontRef idx="minor">
+            <a:schemeClr val="dk1"/>
+          </a:fontRef>
+        </p:style>
+        <p:txBody>
+          <a:bodyPr rtlCol="0" anchor="ctr"/>
+          <a:lstStyle/>
+          <a:p>
+            <a:pPr algn="ctr"/>
+            <a:r>
+              <a:rPr lang="es-ES" sz="900" dirty="0">
+                <a:solidFill>
+                  <a:schemeClr val="tx1"/>
+                </a:solidFill>
+              </a:rPr>
+              <a:t>l</a:t>
+            </a:r>
+            <a:r>
+              <a:rPr lang="es-ES" sz="900" dirty="0" smtClean="0">
+                <a:solidFill>
+                  <a:schemeClr val="tx1"/>
+                </a:solidFill>
+              </a:rPr>
+              <a:t>a exactitud y la precisión de las medidas</a:t>
+            </a:r>
+            <a:endParaRPr lang="es-ES" sz="900" dirty="0">
+              <a:solidFill>
+                <a:schemeClr val="tx1"/>
+              </a:solidFill>
+            </a:endParaRPr>
+          </a:p>
+        </p:txBody>
+      </p:sp>
+      <p:cxnSp>
+        <p:nvCxnSpPr>
+          <p:cNvPr id="81" name="Conector angular 141"/>
+          <p:cNvCxnSpPr>
+            <a:stCxn id="79" idx="2"/>
+            <a:endCxn id="80" idx="0"/>
+          </p:cNvCxnSpPr>
+          <p:nvPr/>
+        </p:nvCxnSpPr>
+        <p:spPr>
+          <a:xfrm flipH="1">
+            <a:off x="8502367" y="5147370"/>
+            <a:ext cx="5373" cy="336071"/>
+          </a:xfrm>
+          <a:prstGeom prst="straightConnector1">
+            <a:avLst/>
+          </a:prstGeom>
+          <a:ln/>
+        </p:spPr>
+        <p:style>
+          <a:lnRef idx="2">
+            <a:schemeClr val="dk1"/>
+          </a:lnRef>
+          <a:fillRef idx="0">
+            <a:schemeClr val="dk1"/>
+          </a:fillRef>
+          <a:effectRef idx="1">
+            <a:schemeClr val="dk1"/>
+          </a:effectRef>
+          <a:fontRef idx="minor">
+            <a:schemeClr val="tx1"/>
+          </a:fontRef>
+        </p:style>
+      </p:cxnSp>
+      <p:cxnSp>
+        <p:nvCxnSpPr>
+          <p:cNvPr id="82" name="Conector angular 81"/>
+          <p:cNvCxnSpPr>
+            <a:stCxn id="3" idx="2"/>
+            <a:endCxn id="83" idx="0"/>
+          </p:cNvCxnSpPr>
+          <p:nvPr/>
+        </p:nvCxnSpPr>
+        <p:spPr>
+          <a:xfrm rot="5400000">
+            <a:off x="1425989" y="1074675"/>
+            <a:ext cx="413604" cy="1076895"/>
+          </a:xfrm>
+          <a:prstGeom prst="bentConnector3">
+            <a:avLst/>
+          </a:prstGeom>
+          <a:ln>
+            <a:solidFill>
+              <a:schemeClr val="tx1"/>
+            </a:solidFill>
+          </a:ln>
+        </p:spPr>
+        <p:style>
+          <a:lnRef idx="2">
+            <a:schemeClr val="accent1"/>
+          </a:lnRef>
+          <a:fillRef idx="0">
+            <a:schemeClr val="accent1"/>
+          </a:fillRef>
+          <a:effectRef idx="1">
+            <a:schemeClr val="accent1"/>
+          </a:effectRef>
+          <a:fontRef idx="minor">
+            <a:schemeClr val="tx1"/>
+          </a:fontRef>
+        </p:style>
+      </p:cxnSp>
+      <p:sp>
+        <p:nvSpPr>
+          <p:cNvPr id="83" name="CuadroTexto 82"/>
+          <p:cNvSpPr txBox="1"/>
+          <p:nvPr/>
+        </p:nvSpPr>
+        <p:spPr>
+          <a:xfrm>
+            <a:off x="863417" y="1819924"/>
+            <a:ext cx="461851" cy="230832"/>
+          </a:xfrm>
+          <a:prstGeom prst="rect">
+            <a:avLst/>
+          </a:prstGeom>
+          <a:solidFill>
+            <a:schemeClr val="bg1"/>
+          </a:solidFill>
         </p:spPr>
         <p:txBody>
           <a:bodyPr wrap="square" rtlCol="0">
@@ -3691,191 +4282,41 @@
           </a:lstStyle>
           <a:p>
             <a:r>
-              <a:rPr lang="en-US" dirty="0" err="1"/>
-              <a:t>estudia</a:t>
-            </a:r>
-            <a:endParaRPr lang="es-ES" dirty="0"/>
-          </a:p>
-        </p:txBody>
-      </p:sp>
-      <p:sp>
-        <p:nvSpPr>
-          <p:cNvPr id="62" name="Rectángulo 43"/>
-          <p:cNvSpPr/>
-          <p:nvPr/>
-        </p:nvSpPr>
-        <p:spPr>
-          <a:xfrm>
-            <a:off x="7050688" y="2561425"/>
-            <a:ext cx="896686" cy="751640"/>
-          </a:xfrm>
-          <a:prstGeom prst="rect">
-            <a:avLst/>
-          </a:prstGeom>
-          <a:solidFill>
-            <a:schemeClr val="bg2">
-              <a:lumMod val="50000"/>
-            </a:schemeClr>
-          </a:solidFill>
-          <a:ln>
-            <a:solidFill>
-              <a:schemeClr val="tx1"/>
-            </a:solidFill>
-          </a:ln>
-        </p:spPr>
-        <p:style>
-          <a:lnRef idx="2">
-            <a:schemeClr val="accent6"/>
-          </a:lnRef>
-          <a:fillRef idx="1">
-            <a:schemeClr val="lt1"/>
-          </a:fillRef>
-          <a:effectRef idx="0">
-            <a:schemeClr val="accent6"/>
-          </a:effectRef>
-          <a:fontRef idx="minor">
-            <a:schemeClr val="dk1"/>
-          </a:fontRef>
-        </p:style>
-        <p:txBody>
-          <a:bodyPr rtlCol="0" anchor="ctr"/>
-          <a:lstStyle/>
-          <a:p>
-            <a:pPr algn="ctr"/>
-            <a:r>
-              <a:rPr lang="es-ES" sz="1000" dirty="0" smtClean="0">
-                <a:solidFill>
-                  <a:schemeClr val="bg1"/>
-                </a:solidFill>
-              </a:rPr>
-              <a:t>Sistema internacional</a:t>
-            </a:r>
-            <a:r>
-              <a:rPr lang="es-ES" sz="1000" dirty="0">
-                <a:solidFill>
-                  <a:schemeClr val="bg1"/>
-                </a:solidFill>
-              </a:rPr>
-              <a:t> </a:t>
-            </a:r>
-            <a:r>
-              <a:rPr lang="es-ES" sz="1000" dirty="0" smtClean="0">
-                <a:solidFill>
-                  <a:schemeClr val="bg1"/>
-                </a:solidFill>
-              </a:rPr>
-              <a:t>de unidades (SI)</a:t>
+              <a:rPr lang="es-ES" dirty="0"/>
+              <a:t>es el</a:t>
             </a:r>
           </a:p>
         </p:txBody>
       </p:sp>
       <p:cxnSp>
         <p:nvCxnSpPr>
-          <p:cNvPr id="63" name="Conector angular 44"/>
+          <p:cNvPr id="97" name="Conector angular 96"/>
           <p:cNvCxnSpPr>
-            <a:stCxn id="64" idx="2"/>
-            <a:endCxn id="62" idx="0"/>
+            <a:stCxn id="3" idx="2"/>
+            <a:endCxn id="13" idx="0"/>
           </p:cNvCxnSpPr>
           <p:nvPr/>
         </p:nvCxnSpPr>
         <p:spPr>
-          <a:xfrm flipH="1">
-            <a:off x="7499031" y="2445892"/>
-            <a:ext cx="3224" cy="115533"/>
-          </a:xfrm>
-          <a:prstGeom prst="straightConnector1">
-            <a:avLst/>
-          </a:prstGeom>
-          <a:ln/>
-        </p:spPr>
-        <p:style>
-          <a:lnRef idx="2">
-            <a:schemeClr val="dk1"/>
-          </a:lnRef>
-          <a:fillRef idx="0">
-            <a:schemeClr val="dk1"/>
-          </a:fillRef>
-          <a:effectRef idx="1">
-            <a:schemeClr val="dk1"/>
-          </a:effectRef>
-          <a:fontRef idx="minor">
-            <a:schemeClr val="tx1"/>
-          </a:fontRef>
-        </p:style>
-      </p:cxnSp>
-      <p:sp>
-        <p:nvSpPr>
-          <p:cNvPr id="64" name="CuadroTexto 18"/>
-          <p:cNvSpPr txBox="1"/>
-          <p:nvPr/>
-        </p:nvSpPr>
-        <p:spPr>
-          <a:xfrm>
-            <a:off x="6989544" y="2076560"/>
-            <a:ext cx="1025421" cy="369332"/>
-          </a:xfrm>
-          <a:prstGeom prst="rect">
-            <a:avLst/>
-          </a:prstGeom>
-          <a:noFill/>
-        </p:spPr>
-        <p:txBody>
-          <a:bodyPr wrap="square" rtlCol="0">
-            <a:spAutoFit/>
-          </a:bodyPr>
-          <a:lstStyle/>
-          <a:p>
-            <a:pPr algn="ctr"/>
-            <a:r>
-              <a:rPr lang="en-US" sz="900" dirty="0" err="1"/>
-              <a:t>expresadas</a:t>
-            </a:r>
-            <a:r>
-              <a:rPr lang="en-US" sz="900" dirty="0"/>
-              <a:t> en </a:t>
-            </a:r>
-            <a:r>
-              <a:rPr lang="en-US" sz="900" dirty="0" err="1"/>
-              <a:t>unidades</a:t>
-            </a:r>
-            <a:r>
-              <a:rPr lang="en-US" sz="900" dirty="0"/>
-              <a:t> del</a:t>
-            </a:r>
-            <a:endParaRPr lang="es-ES" sz="900" dirty="0"/>
-          </a:p>
-        </p:txBody>
-      </p:sp>
-      <p:cxnSp>
-        <p:nvCxnSpPr>
-          <p:cNvPr id="65" name="Conector angular 44"/>
-          <p:cNvCxnSpPr>
-            <a:stCxn id="4" idx="2"/>
-            <a:endCxn id="64" idx="0"/>
-          </p:cNvCxnSpPr>
-          <p:nvPr/>
-        </p:nvCxnSpPr>
-        <p:spPr>
-          <a:xfrm rot="5400000">
-            <a:off x="7556007" y="1701217"/>
-            <a:ext cx="321592" cy="429095"/>
+          <a:xfrm rot="16200000" flipH="1">
+            <a:off x="2365151" y="1212406"/>
+            <a:ext cx="418474" cy="806301"/>
           </a:xfrm>
           <a:prstGeom prst="bentConnector3">
             <a:avLst>
               <a:gd name="adj1" fmla="val 50000"/>
             </a:avLst>
           </a:prstGeom>
-          <a:ln/>
-        </p:spPr>
-        <p:style>
-          <a:lnRef idx="2">
-            <a:schemeClr val="dk1"/>
+        </p:spPr>
+        <p:style>
+          <a:lnRef idx="1">
+            <a:schemeClr val="accent1"/>
           </a:lnRef>
           <a:fillRef idx="0">
-            <a:schemeClr val="dk1"/>
-          </a:fillRef>
-          <a:effectRef idx="1">
-            <a:schemeClr val="dk1"/>
+            <a:schemeClr val="accent1"/>
+          </a:fillRef>
+          <a:effectRef idx="0">
+            <a:schemeClr val="accent1"/>
           </a:effectRef>
           <a:fontRef idx="minor">
             <a:schemeClr val="tx1"/>
@@ -3884,34 +4325,64 @@
       </p:cxnSp>
       <p:cxnSp>
         <p:nvCxnSpPr>
-          <p:cNvPr id="66" name="Conector angular 44"/>
+          <p:cNvPr id="100" name="Conector angular 99"/>
           <p:cNvCxnSpPr>
-            <a:stCxn id="67" idx="2"/>
-            <a:endCxn id="69" idx="0"/>
+            <a:stCxn id="83" idx="2"/>
+            <a:endCxn id="31" idx="0"/>
           </p:cNvCxnSpPr>
           <p:nvPr/>
         </p:nvCxnSpPr>
         <p:spPr>
-          <a:xfrm rot="5400000">
-            <a:off x="7143709" y="3840942"/>
-            <a:ext cx="343563" cy="346729"/>
+          <a:xfrm rot="16200000" flipH="1">
+            <a:off x="1018937" y="2126162"/>
+            <a:ext cx="169509" cy="18696"/>
           </a:xfrm>
           <a:prstGeom prst="bentConnector3">
-            <a:avLst>
-              <a:gd name="adj1" fmla="val 50000"/>
-            </a:avLst>
-          </a:prstGeom>
-          <a:ln/>
-        </p:spPr>
-        <p:style>
-          <a:lnRef idx="2">
-            <a:schemeClr val="dk1"/>
+            <a:avLst/>
+          </a:prstGeom>
+        </p:spPr>
+        <p:style>
+          <a:lnRef idx="1">
+            <a:schemeClr val="accent1"/>
           </a:lnRef>
           <a:fillRef idx="0">
-            <a:schemeClr val="dk1"/>
-          </a:fillRef>
-          <a:effectRef idx="1">
-            <a:schemeClr val="dk1"/>
+            <a:schemeClr val="accent1"/>
+          </a:fillRef>
+          <a:effectRef idx="0">
+            <a:schemeClr val="accent1"/>
+          </a:effectRef>
+          <a:fontRef idx="minor">
+            <a:schemeClr val="tx1"/>
+          </a:fontRef>
+        </p:style>
+      </p:cxnSp>
+      <p:cxnSp>
+        <p:nvCxnSpPr>
+          <p:cNvPr id="161" name="Conector angular 160"/>
+          <p:cNvCxnSpPr>
+            <a:stCxn id="2" idx="2"/>
+            <a:endCxn id="15" idx="0"/>
+          </p:cNvCxnSpPr>
+          <p:nvPr/>
+        </p:nvCxnSpPr>
+        <p:spPr>
+          <a:xfrm rot="16200000" flipH="1">
+            <a:off x="4607999" y="767098"/>
+            <a:ext cx="323840" cy="50374"/>
+          </a:xfrm>
+          <a:prstGeom prst="bentConnector3">
+            <a:avLst/>
+          </a:prstGeom>
+        </p:spPr>
+        <p:style>
+          <a:lnRef idx="1">
+            <a:schemeClr val="accent1"/>
+          </a:lnRef>
+          <a:fillRef idx="0">
+            <a:schemeClr val="accent1"/>
+          </a:fillRef>
+          <a:effectRef idx="0">
+            <a:schemeClr val="accent1"/>
           </a:effectRef>
           <a:fontRef idx="minor">
             <a:schemeClr val="tx1"/>
@@ -3920,792 +4391,19 @@
       </p:cxnSp>
       <p:sp>
         <p:nvSpPr>
-          <p:cNvPr id="67" name="CuadroTexto 18"/>
+          <p:cNvPr id="175" name="CuadroTexto 18"/>
           <p:cNvSpPr txBox="1"/>
           <p:nvPr/>
         </p:nvSpPr>
         <p:spPr>
           <a:xfrm>
-            <a:off x="6897684" y="3611693"/>
+            <a:off x="5742385" y="1804439"/>
             <a:ext cx="1182340" cy="230832"/>
           </a:xfrm>
           <a:prstGeom prst="rect">
             <a:avLst/>
           </a:prstGeom>
           <a:noFill/>
-        </p:spPr>
-        <p:txBody>
-          <a:bodyPr wrap="square" rtlCol="0">
-            <a:spAutoFit/>
-          </a:bodyPr>
-          <a:lstStyle/>
-          <a:p>
-            <a:pPr algn="ctr"/>
-            <a:r>
-              <a:rPr lang="en-US" sz="900" dirty="0" err="1" smtClean="0"/>
-              <a:t>como</a:t>
-            </a:r>
-            <a:endParaRPr lang="es-ES" sz="900" dirty="0"/>
-          </a:p>
-        </p:txBody>
-      </p:sp>
-      <p:cxnSp>
-        <p:nvCxnSpPr>
-          <p:cNvPr id="68" name="Conector angular 44"/>
-          <p:cNvCxnSpPr>
-            <a:stCxn id="62" idx="2"/>
-            <a:endCxn id="67" idx="0"/>
-          </p:cNvCxnSpPr>
-          <p:nvPr/>
-        </p:nvCxnSpPr>
-        <p:spPr>
-          <a:xfrm flipH="1">
-            <a:off x="7488854" y="3313065"/>
-            <a:ext cx="10177" cy="298628"/>
-          </a:xfrm>
-          <a:prstGeom prst="straightConnector1">
-            <a:avLst/>
-          </a:prstGeom>
-          <a:ln/>
-        </p:spPr>
-        <p:style>
-          <a:lnRef idx="2">
-            <a:schemeClr val="dk1"/>
-          </a:lnRef>
-          <a:fillRef idx="0">
-            <a:schemeClr val="dk1"/>
-          </a:fillRef>
-          <a:effectRef idx="1">
-            <a:schemeClr val="dk1"/>
-          </a:effectRef>
-          <a:fontRef idx="minor">
-            <a:schemeClr val="tx1"/>
-          </a:fontRef>
-        </p:style>
-      </p:cxnSp>
-      <p:sp>
-        <p:nvSpPr>
-          <p:cNvPr id="69" name="Rectángulo 142"/>
-          <p:cNvSpPr/>
-          <p:nvPr/>
-        </p:nvSpPr>
-        <p:spPr>
-          <a:xfrm>
-            <a:off x="6371799" y="4186088"/>
-            <a:ext cx="1540651" cy="1400902"/>
-          </a:xfrm>
-          <a:prstGeom prst="rect">
-            <a:avLst/>
-          </a:prstGeom>
-          <a:solidFill>
-            <a:schemeClr val="bg2">
-              <a:lumMod val="90000"/>
-            </a:schemeClr>
-          </a:solidFill>
-          <a:ln>
-            <a:solidFill>
-              <a:schemeClr val="tx1"/>
-            </a:solidFill>
-          </a:ln>
-        </p:spPr>
-        <p:style>
-          <a:lnRef idx="2">
-            <a:schemeClr val="accent6"/>
-          </a:lnRef>
-          <a:fillRef idx="1">
-            <a:schemeClr val="lt1"/>
-          </a:fillRef>
-          <a:effectRef idx="0">
-            <a:schemeClr val="accent6"/>
-          </a:effectRef>
-          <a:fontRef idx="minor">
-            <a:schemeClr val="dk1"/>
-          </a:fontRef>
-        </p:style>
-        <p:txBody>
-          <a:bodyPr rtlCol="0" anchor="ctr"/>
-          <a:lstStyle/>
-          <a:p>
-            <a:pPr marL="171450" indent="-171450">
-              <a:buFont typeface="Arial"/>
-              <a:buChar char="•"/>
-            </a:pPr>
-            <a:r>
-              <a:rPr lang="es-ES_tradnl" sz="900" dirty="0"/>
-              <a:t>l</a:t>
-            </a:r>
-            <a:r>
-              <a:rPr lang="es-ES_tradnl" sz="900" dirty="0" smtClean="0"/>
-              <a:t>ongitud (m).</a:t>
-            </a:r>
-          </a:p>
-          <a:p>
-            <a:pPr marL="171450" indent="-171450">
-              <a:buFont typeface="Arial"/>
-              <a:buChar char="•"/>
-            </a:pPr>
-            <a:r>
-              <a:rPr lang="es-ES_tradnl" sz="900" dirty="0" smtClean="0">
-                <a:solidFill>
-                  <a:schemeClr val="tx1"/>
-                </a:solidFill>
-              </a:rPr>
-              <a:t>masa (Kg).</a:t>
-            </a:r>
-          </a:p>
-          <a:p>
-            <a:pPr marL="171450" indent="-171450">
-              <a:buFont typeface="Arial"/>
-              <a:buChar char="•"/>
-            </a:pPr>
-            <a:r>
-              <a:rPr lang="es-ES_tradnl" sz="900" dirty="0">
-                <a:solidFill>
-                  <a:schemeClr val="tx1"/>
-                </a:solidFill>
-              </a:rPr>
-              <a:t>t</a:t>
-            </a:r>
-            <a:r>
-              <a:rPr lang="es-ES_tradnl" sz="900" dirty="0" smtClean="0">
-                <a:solidFill>
-                  <a:schemeClr val="tx1"/>
-                </a:solidFill>
-              </a:rPr>
-              <a:t>iempo (s).</a:t>
-            </a:r>
-          </a:p>
-          <a:p>
-            <a:pPr marL="171450" indent="-171450">
-              <a:buFont typeface="Arial"/>
-              <a:buChar char="•"/>
-            </a:pPr>
-            <a:r>
-              <a:rPr lang="es-ES_tradnl" sz="900" dirty="0" smtClean="0">
-                <a:solidFill>
-                  <a:schemeClr val="tx1"/>
-                </a:solidFill>
-              </a:rPr>
-              <a:t>temperatura (k).</a:t>
-            </a:r>
-          </a:p>
-          <a:p>
-            <a:pPr marL="171450" indent="-171450">
-              <a:buFont typeface="Arial"/>
-              <a:buChar char="•"/>
-            </a:pPr>
-            <a:r>
-              <a:rPr lang="es-ES_tradnl" sz="900" dirty="0" smtClean="0">
-                <a:solidFill>
-                  <a:schemeClr val="tx1"/>
-                </a:solidFill>
-              </a:rPr>
-              <a:t>intensidad corriente (A).</a:t>
-            </a:r>
-          </a:p>
-          <a:p>
-            <a:pPr marL="171450" indent="-171450">
-              <a:buFont typeface="Arial"/>
-              <a:buChar char="•"/>
-            </a:pPr>
-            <a:r>
-              <a:rPr lang="es-ES_tradnl" sz="900" dirty="0">
-                <a:solidFill>
-                  <a:schemeClr val="tx1"/>
-                </a:solidFill>
-              </a:rPr>
-              <a:t>c</a:t>
-            </a:r>
-            <a:r>
-              <a:rPr lang="es-ES_tradnl" sz="900" dirty="0" smtClean="0">
-                <a:solidFill>
-                  <a:schemeClr val="tx1"/>
-                </a:solidFill>
-              </a:rPr>
-              <a:t>antidad de sustancia (mol).</a:t>
-            </a:r>
-          </a:p>
-          <a:p>
-            <a:pPr marL="171450" indent="-171450">
-              <a:buFont typeface="Arial"/>
-              <a:buChar char="•"/>
-            </a:pPr>
-            <a:r>
-              <a:rPr lang="es-ES_tradnl" sz="900" dirty="0" smtClean="0">
-                <a:solidFill>
-                  <a:schemeClr val="tx1"/>
-                </a:solidFill>
-              </a:rPr>
-              <a:t>intensidad luminosa (candela).</a:t>
-            </a:r>
-            <a:endParaRPr lang="es-ES" sz="900" dirty="0">
-              <a:solidFill>
-                <a:schemeClr val="tx1"/>
-              </a:solidFill>
-            </a:endParaRPr>
-          </a:p>
-        </p:txBody>
-      </p:sp>
-      <p:cxnSp>
-        <p:nvCxnSpPr>
-          <p:cNvPr id="70" name="Conector angular 141"/>
-          <p:cNvCxnSpPr>
-            <a:stCxn id="69" idx="2"/>
-            <a:endCxn id="71" idx="0"/>
-          </p:cNvCxnSpPr>
-          <p:nvPr/>
-        </p:nvCxnSpPr>
-        <p:spPr>
-          <a:xfrm>
-            <a:off x="7142125" y="5586990"/>
-            <a:ext cx="1" cy="158897"/>
-          </a:xfrm>
-          <a:prstGeom prst="straightConnector1">
-            <a:avLst/>
-          </a:prstGeom>
-          <a:ln/>
-        </p:spPr>
-        <p:style>
-          <a:lnRef idx="2">
-            <a:schemeClr val="dk1"/>
-          </a:lnRef>
-          <a:fillRef idx="0">
-            <a:schemeClr val="dk1"/>
-          </a:fillRef>
-          <a:effectRef idx="1">
-            <a:schemeClr val="dk1"/>
-          </a:effectRef>
-          <a:fontRef idx="minor">
-            <a:schemeClr val="tx1"/>
-          </a:fontRef>
-        </p:style>
-      </p:cxnSp>
-      <p:sp>
-        <p:nvSpPr>
-          <p:cNvPr id="71" name="CuadroTexto 140"/>
-          <p:cNvSpPr txBox="1"/>
-          <p:nvPr/>
-        </p:nvSpPr>
-        <p:spPr>
-          <a:xfrm>
-            <a:off x="6534907" y="5745887"/>
-            <a:ext cx="1214438" cy="369332"/>
-          </a:xfrm>
-          <a:prstGeom prst="rect">
-            <a:avLst/>
-          </a:prstGeom>
-          <a:noFill/>
-        </p:spPr>
-        <p:txBody>
-          <a:bodyPr wrap="square" rtlCol="0">
-            <a:spAutoFit/>
-          </a:bodyPr>
-          <a:lstStyle/>
-          <a:p>
-            <a:pPr algn="ctr"/>
-            <a:r>
-              <a:rPr lang="es-ES_tradnl" sz="900" dirty="0" smtClean="0"/>
-              <a:t>se transforman usando</a:t>
-            </a:r>
-            <a:endParaRPr lang="es-ES" sz="900" dirty="0"/>
-          </a:p>
-        </p:txBody>
-      </p:sp>
-      <p:sp>
-        <p:nvSpPr>
-          <p:cNvPr id="72" name="Rectángulo 143"/>
-          <p:cNvSpPr/>
-          <p:nvPr/>
-        </p:nvSpPr>
-        <p:spPr>
-          <a:xfrm>
-            <a:off x="6545749" y="6305148"/>
-            <a:ext cx="1184227" cy="372789"/>
-          </a:xfrm>
-          <a:prstGeom prst="rect">
-            <a:avLst/>
-          </a:prstGeom>
-          <a:solidFill>
-            <a:schemeClr val="bg1"/>
-          </a:solidFill>
-          <a:ln>
-            <a:solidFill>
-              <a:schemeClr val="tx1"/>
-            </a:solidFill>
-          </a:ln>
-        </p:spPr>
-        <p:style>
-          <a:lnRef idx="2">
-            <a:schemeClr val="accent6"/>
-          </a:lnRef>
-          <a:fillRef idx="1">
-            <a:schemeClr val="lt1"/>
-          </a:fillRef>
-          <a:effectRef idx="0">
-            <a:schemeClr val="accent6"/>
-          </a:effectRef>
-          <a:fontRef idx="minor">
-            <a:schemeClr val="dk1"/>
-          </a:fontRef>
-        </p:style>
-        <p:txBody>
-          <a:bodyPr rtlCol="0" anchor="ctr"/>
-          <a:lstStyle/>
-          <a:p>
-            <a:pPr algn="ctr"/>
-            <a:r>
-              <a:rPr lang="es-ES" sz="900" dirty="0">
-                <a:solidFill>
-                  <a:schemeClr val="tx1"/>
-                </a:solidFill>
-              </a:rPr>
-              <a:t>f</a:t>
-            </a:r>
-            <a:r>
-              <a:rPr lang="es-ES" sz="900" dirty="0" smtClean="0">
-                <a:solidFill>
-                  <a:schemeClr val="tx1"/>
-                </a:solidFill>
-              </a:rPr>
-              <a:t>actores de conversión</a:t>
-            </a:r>
-            <a:endParaRPr lang="es-ES" sz="900" dirty="0">
-              <a:solidFill>
-                <a:schemeClr val="tx1"/>
-              </a:solidFill>
-            </a:endParaRPr>
-          </a:p>
-        </p:txBody>
-      </p:sp>
-      <p:cxnSp>
-        <p:nvCxnSpPr>
-          <p:cNvPr id="73" name="Conector angular 141"/>
-          <p:cNvCxnSpPr>
-            <a:stCxn id="71" idx="2"/>
-            <a:endCxn id="72" idx="0"/>
-          </p:cNvCxnSpPr>
-          <p:nvPr/>
-        </p:nvCxnSpPr>
-        <p:spPr>
-          <a:xfrm flipH="1">
-            <a:off x="7137863" y="6115219"/>
-            <a:ext cx="4263" cy="189929"/>
-          </a:xfrm>
-          <a:prstGeom prst="straightConnector1">
-            <a:avLst/>
-          </a:prstGeom>
-          <a:ln/>
-        </p:spPr>
-        <p:style>
-          <a:lnRef idx="2">
-            <a:schemeClr val="dk1"/>
-          </a:lnRef>
-          <a:fillRef idx="0">
-            <a:schemeClr val="dk1"/>
-          </a:fillRef>
-          <a:effectRef idx="1">
-            <a:schemeClr val="dk1"/>
-          </a:effectRef>
-          <a:fontRef idx="minor">
-            <a:schemeClr val="tx1"/>
-          </a:fontRef>
-        </p:style>
-      </p:cxnSp>
-      <p:cxnSp>
-        <p:nvCxnSpPr>
-          <p:cNvPr id="74" name="Conector angular 44"/>
-          <p:cNvCxnSpPr>
-            <a:stCxn id="75" idx="2"/>
-            <a:endCxn id="77" idx="0"/>
-          </p:cNvCxnSpPr>
-          <p:nvPr/>
-        </p:nvCxnSpPr>
-        <p:spPr>
-          <a:xfrm>
-            <a:off x="8497663" y="3855280"/>
-            <a:ext cx="10078" cy="353612"/>
-          </a:xfrm>
-          <a:prstGeom prst="straightConnector1">
-            <a:avLst/>
-          </a:prstGeom>
-          <a:ln/>
-        </p:spPr>
-        <p:style>
-          <a:lnRef idx="2">
-            <a:schemeClr val="dk1"/>
-          </a:lnRef>
-          <a:fillRef idx="0">
-            <a:schemeClr val="dk1"/>
-          </a:fillRef>
-          <a:effectRef idx="1">
-            <a:schemeClr val="dk1"/>
-          </a:effectRef>
-          <a:fontRef idx="minor">
-            <a:schemeClr val="tx1"/>
-          </a:fontRef>
-        </p:style>
-      </p:cxnSp>
-      <p:sp>
-        <p:nvSpPr>
-          <p:cNvPr id="75" name="CuadroTexto 18"/>
-          <p:cNvSpPr txBox="1"/>
-          <p:nvPr/>
-        </p:nvSpPr>
-        <p:spPr>
-          <a:xfrm>
-            <a:off x="7906493" y="3624448"/>
-            <a:ext cx="1182340" cy="230832"/>
-          </a:xfrm>
-          <a:prstGeom prst="rect">
-            <a:avLst/>
-          </a:prstGeom>
-          <a:noFill/>
-        </p:spPr>
-        <p:txBody>
-          <a:bodyPr wrap="square" rtlCol="0">
-            <a:spAutoFit/>
-          </a:bodyPr>
-          <a:lstStyle/>
-          <a:p>
-            <a:pPr algn="ctr"/>
-            <a:r>
-              <a:rPr lang="en-US" sz="900" dirty="0" err="1"/>
-              <a:t>p</a:t>
-            </a:r>
-            <a:r>
-              <a:rPr lang="en-US" sz="900" dirty="0" err="1" smtClean="0"/>
-              <a:t>ueden</a:t>
-            </a:r>
-            <a:r>
-              <a:rPr lang="en-US" sz="900" dirty="0" smtClean="0"/>
-              <a:t> </a:t>
-            </a:r>
-            <a:r>
-              <a:rPr lang="en-US" sz="900" dirty="0" err="1" smtClean="0"/>
-              <a:t>ser</a:t>
-            </a:r>
-            <a:endParaRPr lang="es-ES" sz="900" dirty="0"/>
-          </a:p>
-        </p:txBody>
-      </p:sp>
-      <p:cxnSp>
-        <p:nvCxnSpPr>
-          <p:cNvPr id="76" name="Conector angular 44"/>
-          <p:cNvCxnSpPr>
-            <a:stCxn id="27" idx="2"/>
-            <a:endCxn id="75" idx="0"/>
-          </p:cNvCxnSpPr>
-          <p:nvPr/>
-        </p:nvCxnSpPr>
-        <p:spPr>
-          <a:xfrm flipH="1">
-            <a:off x="8497663" y="3330643"/>
-            <a:ext cx="10079" cy="293805"/>
-          </a:xfrm>
-          <a:prstGeom prst="straightConnector1">
-            <a:avLst/>
-          </a:prstGeom>
-          <a:ln/>
-        </p:spPr>
-        <p:style>
-          <a:lnRef idx="2">
-            <a:schemeClr val="dk1"/>
-          </a:lnRef>
-          <a:fillRef idx="0">
-            <a:schemeClr val="dk1"/>
-          </a:fillRef>
-          <a:effectRef idx="1">
-            <a:schemeClr val="dk1"/>
-          </a:effectRef>
-          <a:fontRef idx="minor">
-            <a:schemeClr val="tx1"/>
-          </a:fontRef>
-        </p:style>
-      </p:cxnSp>
-      <p:sp>
-        <p:nvSpPr>
-          <p:cNvPr id="77" name="Rectángulo 142"/>
-          <p:cNvSpPr/>
-          <p:nvPr/>
-        </p:nvSpPr>
-        <p:spPr>
-          <a:xfrm>
-            <a:off x="8093771" y="4208892"/>
-            <a:ext cx="827939" cy="363035"/>
-          </a:xfrm>
-          <a:prstGeom prst="rect">
-            <a:avLst/>
-          </a:prstGeom>
-          <a:solidFill>
-            <a:schemeClr val="bg2">
-              <a:lumMod val="90000"/>
-            </a:schemeClr>
-          </a:solidFill>
-          <a:ln>
-            <a:solidFill>
-              <a:schemeClr val="tx1"/>
-            </a:solidFill>
-          </a:ln>
-        </p:spPr>
-        <p:style>
-          <a:lnRef idx="2">
-            <a:schemeClr val="accent6"/>
-          </a:lnRef>
-          <a:fillRef idx="1">
-            <a:schemeClr val="lt1"/>
-          </a:fillRef>
-          <a:effectRef idx="0">
-            <a:schemeClr val="accent6"/>
-          </a:effectRef>
-          <a:fontRef idx="minor">
-            <a:schemeClr val="dk1"/>
-          </a:fontRef>
-        </p:style>
-        <p:txBody>
-          <a:bodyPr rtlCol="0" anchor="ctr"/>
-          <a:lstStyle/>
-          <a:p>
-            <a:pPr algn="ctr"/>
-            <a:r>
-              <a:rPr lang="en-US" sz="900" dirty="0"/>
-              <a:t>s</a:t>
-            </a:r>
-            <a:r>
-              <a:rPr lang="es-ES_tradnl" sz="900" dirty="0" err="1" smtClean="0"/>
-              <a:t>istemáticos</a:t>
-            </a:r>
-            <a:r>
-              <a:rPr lang="es-ES_tradnl" sz="900" dirty="0" smtClean="0"/>
-              <a:t> o aleatorios</a:t>
-            </a:r>
-            <a:endParaRPr lang="es-ES" sz="900" dirty="0">
-              <a:solidFill>
-                <a:schemeClr val="tx1"/>
-              </a:solidFill>
-            </a:endParaRPr>
-          </a:p>
-        </p:txBody>
-      </p:sp>
-      <p:cxnSp>
-        <p:nvCxnSpPr>
-          <p:cNvPr id="78" name="Conector angular 141"/>
-          <p:cNvCxnSpPr>
-            <a:stCxn id="77" idx="2"/>
-            <a:endCxn id="79" idx="0"/>
-          </p:cNvCxnSpPr>
-          <p:nvPr/>
-        </p:nvCxnSpPr>
-        <p:spPr>
-          <a:xfrm flipH="1">
-            <a:off x="8507740" y="4571927"/>
-            <a:ext cx="1" cy="344611"/>
-          </a:xfrm>
-          <a:prstGeom prst="straightConnector1">
-            <a:avLst/>
-          </a:prstGeom>
-          <a:ln/>
-        </p:spPr>
-        <p:style>
-          <a:lnRef idx="2">
-            <a:schemeClr val="dk1"/>
-          </a:lnRef>
-          <a:fillRef idx="0">
-            <a:schemeClr val="dk1"/>
-          </a:fillRef>
-          <a:effectRef idx="1">
-            <a:schemeClr val="dk1"/>
-          </a:effectRef>
-          <a:fontRef idx="minor">
-            <a:schemeClr val="tx1"/>
-          </a:fontRef>
-        </p:style>
-      </p:cxnSp>
-      <p:sp>
-        <p:nvSpPr>
-          <p:cNvPr id="79" name="CuadroTexto 140"/>
-          <p:cNvSpPr txBox="1"/>
-          <p:nvPr/>
-        </p:nvSpPr>
-        <p:spPr>
-          <a:xfrm>
-            <a:off x="8031332" y="4916538"/>
-            <a:ext cx="952815" cy="230832"/>
-          </a:xfrm>
-          <a:prstGeom prst="rect">
-            <a:avLst/>
-          </a:prstGeom>
-          <a:noFill/>
-        </p:spPr>
-        <p:txBody>
-          <a:bodyPr wrap="square" rtlCol="0">
-            <a:spAutoFit/>
-          </a:bodyPr>
-          <a:lstStyle/>
-          <a:p>
-            <a:pPr algn="ctr"/>
-            <a:r>
-              <a:rPr lang="es-ES_tradnl" sz="900" dirty="0" smtClean="0"/>
-              <a:t>determinan</a:t>
-            </a:r>
-            <a:endParaRPr lang="es-ES" sz="900" dirty="0"/>
-          </a:p>
-        </p:txBody>
-      </p:sp>
-      <p:sp>
-        <p:nvSpPr>
-          <p:cNvPr id="80" name="Rectángulo 143"/>
-          <p:cNvSpPr/>
-          <p:nvPr/>
-        </p:nvSpPr>
-        <p:spPr>
-          <a:xfrm>
-            <a:off x="8020587" y="5483441"/>
-            <a:ext cx="963560" cy="846096"/>
-          </a:xfrm>
-          <a:prstGeom prst="rect">
-            <a:avLst/>
-          </a:prstGeom>
-          <a:solidFill>
-            <a:schemeClr val="bg1"/>
-          </a:solidFill>
-          <a:ln>
-            <a:solidFill>
-              <a:schemeClr val="tx1"/>
-            </a:solidFill>
-          </a:ln>
-        </p:spPr>
-        <p:style>
-          <a:lnRef idx="2">
-            <a:schemeClr val="accent6"/>
-          </a:lnRef>
-          <a:fillRef idx="1">
-            <a:schemeClr val="lt1"/>
-          </a:fillRef>
-          <a:effectRef idx="0">
-            <a:schemeClr val="accent6"/>
-          </a:effectRef>
-          <a:fontRef idx="minor">
-            <a:schemeClr val="dk1"/>
-          </a:fontRef>
-        </p:style>
-        <p:txBody>
-          <a:bodyPr rtlCol="0" anchor="ctr"/>
-          <a:lstStyle/>
-          <a:p>
-            <a:pPr algn="ctr"/>
-            <a:r>
-              <a:rPr lang="es-ES" sz="900" dirty="0">
-                <a:solidFill>
-                  <a:schemeClr val="tx1"/>
-                </a:solidFill>
-              </a:rPr>
-              <a:t>l</a:t>
-            </a:r>
-            <a:r>
-              <a:rPr lang="es-ES" sz="900" dirty="0" smtClean="0">
-                <a:solidFill>
-                  <a:schemeClr val="tx1"/>
-                </a:solidFill>
-              </a:rPr>
-              <a:t>a exactitud y la precisión de las medidas</a:t>
-            </a:r>
-            <a:endParaRPr lang="es-ES" sz="900" dirty="0">
-              <a:solidFill>
-                <a:schemeClr val="tx1"/>
-              </a:solidFill>
-            </a:endParaRPr>
-          </a:p>
-        </p:txBody>
-      </p:sp>
-      <p:cxnSp>
-        <p:nvCxnSpPr>
-          <p:cNvPr id="81" name="Conector angular 141"/>
-          <p:cNvCxnSpPr>
-            <a:stCxn id="79" idx="2"/>
-            <a:endCxn id="80" idx="0"/>
-          </p:cNvCxnSpPr>
-          <p:nvPr/>
-        </p:nvCxnSpPr>
-        <p:spPr>
-          <a:xfrm flipH="1">
-            <a:off x="8502367" y="5147370"/>
-            <a:ext cx="5373" cy="336071"/>
-          </a:xfrm>
-          <a:prstGeom prst="straightConnector1">
-            <a:avLst/>
-          </a:prstGeom>
-          <a:ln/>
-        </p:spPr>
-        <p:style>
-          <a:lnRef idx="2">
-            <a:schemeClr val="dk1"/>
-          </a:lnRef>
-          <a:fillRef idx="0">
-            <a:schemeClr val="dk1"/>
-          </a:fillRef>
-          <a:effectRef idx="1">
-            <a:schemeClr val="dk1"/>
-          </a:effectRef>
-          <a:fontRef idx="minor">
-            <a:schemeClr val="tx1"/>
-          </a:fontRef>
-        </p:style>
-      </p:cxnSp>
-      <p:cxnSp>
-        <p:nvCxnSpPr>
-          <p:cNvPr id="82" name="Conector angular 81"/>
-          <p:cNvCxnSpPr>
-            <a:stCxn id="3" idx="2"/>
-            <a:endCxn id="83" idx="0"/>
-          </p:cNvCxnSpPr>
-          <p:nvPr/>
-        </p:nvCxnSpPr>
-        <p:spPr>
-          <a:xfrm rot="5400000">
-            <a:off x="1425989" y="1074675"/>
-            <a:ext cx="413604" cy="1076895"/>
-          </a:xfrm>
-          <a:prstGeom prst="bentConnector3">
-            <a:avLst/>
-          </a:prstGeom>
-          <a:ln>
-            <a:solidFill>
-              <a:schemeClr val="tx1"/>
-            </a:solidFill>
-          </a:ln>
-        </p:spPr>
-        <p:style>
-          <a:lnRef idx="2">
-            <a:schemeClr val="accent1"/>
-          </a:lnRef>
-          <a:fillRef idx="0">
-            <a:schemeClr val="accent1"/>
-          </a:fillRef>
-          <a:effectRef idx="1">
-            <a:schemeClr val="accent1"/>
-          </a:effectRef>
-          <a:fontRef idx="minor">
-            <a:schemeClr val="tx1"/>
-          </a:fontRef>
-        </p:style>
-      </p:cxnSp>
-      <p:sp>
-        <p:nvSpPr>
-          <p:cNvPr id="83" name="CuadroTexto 82"/>
-          <p:cNvSpPr txBox="1"/>
-          <p:nvPr/>
-        </p:nvSpPr>
-        <p:spPr>
-          <a:xfrm>
-            <a:off x="863417" y="1819924"/>
-            <a:ext cx="461851" cy="230832"/>
-          </a:xfrm>
-          <a:prstGeom prst="rect">
-            <a:avLst/>
-          </a:prstGeom>
-          <a:solidFill>
-            <a:schemeClr val="bg1"/>
-          </a:solidFill>
         </p:spPr>
         <p:txBody>
           <a:bodyPr wrap="square" rtlCol="0">
@@ -4721,143 +4419,6 @@
           </a:lstStyle>
           <a:p>
             <a:r>
-              <a:rPr lang="es-ES" dirty="0"/>
-              <a:t>es el</a:t>
-            </a:r>
-          </a:p>
-        </p:txBody>
-      </p:sp>
-      <p:cxnSp>
-        <p:nvCxnSpPr>
-          <p:cNvPr id="97" name="Conector angular 96"/>
-          <p:cNvCxnSpPr>
-            <a:stCxn id="3" idx="2"/>
-            <a:endCxn id="13" idx="0"/>
-          </p:cNvCxnSpPr>
-          <p:nvPr/>
-        </p:nvCxnSpPr>
-        <p:spPr>
-          <a:xfrm rot="16200000" flipH="1">
-            <a:off x="2365151" y="1212406"/>
-            <a:ext cx="418474" cy="806301"/>
-          </a:xfrm>
-          <a:prstGeom prst="bentConnector3">
-            <a:avLst>
-              <a:gd name="adj1" fmla="val 50000"/>
-            </a:avLst>
-          </a:prstGeom>
-        </p:spPr>
-        <p:style>
-          <a:lnRef idx="1">
-            <a:schemeClr val="accent1"/>
-          </a:lnRef>
-          <a:fillRef idx="0">
-            <a:schemeClr val="accent1"/>
-          </a:fillRef>
-          <a:effectRef idx="0">
-            <a:schemeClr val="accent1"/>
-          </a:effectRef>
-          <a:fontRef idx="minor">
-            <a:schemeClr val="tx1"/>
-          </a:fontRef>
-        </p:style>
-      </p:cxnSp>
-      <p:cxnSp>
-        <p:nvCxnSpPr>
-          <p:cNvPr id="100" name="Conector angular 99"/>
-          <p:cNvCxnSpPr>
-            <a:stCxn id="83" idx="2"/>
-            <a:endCxn id="31" idx="0"/>
-          </p:cNvCxnSpPr>
-          <p:nvPr/>
-        </p:nvCxnSpPr>
-        <p:spPr>
-          <a:xfrm rot="16200000" flipH="1">
-            <a:off x="1018937" y="2126162"/>
-            <a:ext cx="169509" cy="18696"/>
-          </a:xfrm>
-          <a:prstGeom prst="bentConnector3">
-            <a:avLst/>
-          </a:prstGeom>
-        </p:spPr>
-        <p:style>
-          <a:lnRef idx="1">
-            <a:schemeClr val="accent1"/>
-          </a:lnRef>
-          <a:fillRef idx="0">
-            <a:schemeClr val="accent1"/>
-          </a:fillRef>
-          <a:effectRef idx="0">
-            <a:schemeClr val="accent1"/>
-          </a:effectRef>
-          <a:fontRef idx="minor">
-            <a:schemeClr val="tx1"/>
-          </a:fontRef>
-        </p:style>
-      </p:cxnSp>
-      <p:cxnSp>
-        <p:nvCxnSpPr>
-          <p:cNvPr id="161" name="Conector angular 160"/>
-          <p:cNvCxnSpPr>
-            <a:stCxn id="2" idx="2"/>
-            <a:endCxn id="15" idx="0"/>
-          </p:cNvCxnSpPr>
-          <p:nvPr/>
-        </p:nvCxnSpPr>
-        <p:spPr>
-          <a:xfrm rot="16200000" flipH="1">
-            <a:off x="4607999" y="767098"/>
-            <a:ext cx="323840" cy="50374"/>
-          </a:xfrm>
-          <a:prstGeom prst="bentConnector3">
-            <a:avLst/>
-          </a:prstGeom>
-        </p:spPr>
-        <p:style>
-          <a:lnRef idx="1">
-            <a:schemeClr val="accent1"/>
-          </a:lnRef>
-          <a:fillRef idx="0">
-            <a:schemeClr val="accent1"/>
-          </a:fillRef>
-          <a:effectRef idx="0">
-            <a:schemeClr val="accent1"/>
-          </a:effectRef>
-          <a:fontRef idx="minor">
-            <a:schemeClr val="tx1"/>
-          </a:fontRef>
-        </p:style>
-      </p:cxnSp>
-      <p:sp>
-        <p:nvSpPr>
-          <p:cNvPr id="175" name="CuadroTexto 18"/>
-          <p:cNvSpPr txBox="1"/>
-          <p:nvPr/>
-        </p:nvSpPr>
-        <p:spPr>
-          <a:xfrm>
-            <a:off x="5742385" y="1804439"/>
-            <a:ext cx="1182340" cy="230832"/>
-          </a:xfrm>
-          <a:prstGeom prst="rect">
-            <a:avLst/>
-          </a:prstGeom>
-          <a:noFill/>
-        </p:spPr>
-        <p:txBody>
-          <a:bodyPr wrap="square" rtlCol="0">
-            <a:spAutoFit/>
-          </a:bodyPr>
-          <a:lstStyle>
-            <a:defPPr>
-              <a:defRPr lang="es-ES"/>
-            </a:defPPr>
-            <a:lvl1pPr algn="ctr">
-              <a:defRPr sz="900"/>
-            </a:lvl1pPr>
-          </a:lstStyle>
-          <a:p>
-            <a:r>
               <a:rPr lang="en-US" dirty="0" err="1"/>
               <a:t>estudia</a:t>
             </a:r>
@@ -4975,7 +4536,7 @@
         </p:nvCxnSpPr>
         <p:spPr>
           <a:xfrm rot="5400000">
-            <a:off x="2853148" y="5577364"/>
+            <a:off x="2743615" y="4698912"/>
             <a:ext cx="178147" cy="12700"/>
           </a:xfrm>
           <a:prstGeom prst="bentConnector3">
